--- a/Documentation/Propertylords.pptx
+++ b/Documentation/Propertylords.pptx
@@ -325,7 +325,7 @@
           <a:p>
             <a:fld id="{5017E5A7-25C4-466F-B899-BEEF13E48C06}" type="datetimeFigureOut">
               <a:rPr lang="en-GB" smtClean="0"/>
-              <a:t>27/02/2024</a:t>
+              <a:t>01/07/2024</a:t>
             </a:fld>
             <a:endParaRPr lang="en-GB"/>
           </a:p>
@@ -546,7 +546,7 @@
           <a:p>
             <a:fld id="{5017E5A7-25C4-466F-B899-BEEF13E48C06}" type="datetimeFigureOut">
               <a:rPr lang="en-GB" smtClean="0"/>
-              <a:t>27/02/2024</a:t>
+              <a:t>01/07/2024</a:t>
             </a:fld>
             <a:endParaRPr lang="en-GB"/>
           </a:p>
@@ -726,7 +726,7 @@
           <a:p>
             <a:fld id="{5017E5A7-25C4-466F-B899-BEEF13E48C06}" type="datetimeFigureOut">
               <a:rPr lang="en-GB" smtClean="0"/>
-              <a:t>27/02/2024</a:t>
+              <a:t>01/07/2024</a:t>
             </a:fld>
             <a:endParaRPr lang="en-GB"/>
           </a:p>
@@ -896,7 +896,7 @@
           <a:p>
             <a:fld id="{5017E5A7-25C4-466F-B899-BEEF13E48C06}" type="datetimeFigureOut">
               <a:rPr lang="en-GB" smtClean="0"/>
-              <a:t>27/02/2024</a:t>
+              <a:t>01/07/2024</a:t>
             </a:fld>
             <a:endParaRPr lang="en-GB"/>
           </a:p>
@@ -1147,7 +1147,7 @@
           <a:p>
             <a:fld id="{5017E5A7-25C4-466F-B899-BEEF13E48C06}" type="datetimeFigureOut">
               <a:rPr lang="en-GB" smtClean="0"/>
-              <a:t>27/02/2024</a:t>
+              <a:t>01/07/2024</a:t>
             </a:fld>
             <a:endParaRPr lang="en-GB"/>
           </a:p>
@@ -1470,7 +1470,7 @@
           <a:p>
             <a:fld id="{5017E5A7-25C4-466F-B899-BEEF13E48C06}" type="datetimeFigureOut">
               <a:rPr lang="en-GB" smtClean="0"/>
-              <a:t>27/02/2024</a:t>
+              <a:t>01/07/2024</a:t>
             </a:fld>
             <a:endParaRPr lang="en-GB"/>
           </a:p>
@@ -1894,7 +1894,7 @@
           <a:p>
             <a:fld id="{5017E5A7-25C4-466F-B899-BEEF13E48C06}" type="datetimeFigureOut">
               <a:rPr lang="en-GB" smtClean="0"/>
-              <a:t>27/02/2024</a:t>
+              <a:t>01/07/2024</a:t>
             </a:fld>
             <a:endParaRPr lang="en-GB"/>
           </a:p>
@@ -2012,7 +2012,7 @@
           <a:p>
             <a:fld id="{5017E5A7-25C4-466F-B899-BEEF13E48C06}" type="datetimeFigureOut">
               <a:rPr lang="en-GB" smtClean="0"/>
-              <a:t>27/02/2024</a:t>
+              <a:t>01/07/2024</a:t>
             </a:fld>
             <a:endParaRPr lang="en-GB"/>
           </a:p>
@@ -2107,7 +2107,7 @@
           <a:p>
             <a:fld id="{5017E5A7-25C4-466F-B899-BEEF13E48C06}" type="datetimeFigureOut">
               <a:rPr lang="en-GB" smtClean="0"/>
-              <a:t>27/02/2024</a:t>
+              <a:t>01/07/2024</a:t>
             </a:fld>
             <a:endParaRPr lang="en-GB"/>
           </a:p>
@@ -2397,7 +2397,7 @@
           <a:p>
             <a:fld id="{5017E5A7-25C4-466F-B899-BEEF13E48C06}" type="datetimeFigureOut">
               <a:rPr lang="en-GB" smtClean="0"/>
-              <a:t>27/02/2024</a:t>
+              <a:t>01/07/2024</a:t>
             </a:fld>
             <a:endParaRPr lang="en-GB"/>
           </a:p>
@@ -2669,7 +2669,7 @@
           <a:p>
             <a:fld id="{5017E5A7-25C4-466F-B899-BEEF13E48C06}" type="datetimeFigureOut">
               <a:rPr lang="en-GB" smtClean="0"/>
-              <a:t>27/02/2024</a:t>
+              <a:t>01/07/2024</a:t>
             </a:fld>
             <a:endParaRPr lang="en-GB"/>
           </a:p>
@@ -2923,7 +2923,7 @@
           <a:p>
             <a:fld id="{5017E5A7-25C4-466F-B899-BEEF13E48C06}" type="datetimeFigureOut">
               <a:rPr lang="en-GB" smtClean="0"/>
-              <a:t>27/02/2024</a:t>
+              <a:t>01/07/2024</a:t>
             </a:fld>
             <a:endParaRPr lang="en-GB"/>
           </a:p>
@@ -3413,43 +3413,32 @@
           <a:lstStyle/>
           <a:p>
             <a:r>
-              <a:rPr lang="en-GB" dirty="0" err="1" smtClean="0">
+              <a:rPr lang="en-GB" dirty="0" err="1">
                 <a:latin typeface="Times New Roman" panose="02020603050405020304" pitchFamily="18" charset="0"/>
                 <a:cs typeface="Times New Roman" panose="02020603050405020304" pitchFamily="18" charset="0"/>
               </a:rPr>
               <a:t>Propertylord</a:t>
             </a:r>
-            <a:r>
-              <a:rPr lang="en-GB" dirty="0" smtClean="0">
-                <a:latin typeface="Times New Roman" panose="02020603050405020304" pitchFamily="18" charset="0"/>
-                <a:cs typeface="Times New Roman" panose="02020603050405020304" pitchFamily="18" charset="0"/>
-              </a:rPr>
-              <a:t/>
-            </a:r>
             <a:br>
-              <a:rPr lang="en-GB" dirty="0" smtClean="0">
+              <a:rPr lang="en-GB" dirty="0">
                 <a:latin typeface="Times New Roman" panose="02020603050405020304" pitchFamily="18" charset="0"/>
                 <a:cs typeface="Times New Roman" panose="02020603050405020304" pitchFamily="18" charset="0"/>
               </a:rPr>
             </a:br>
             <a:r>
-              <a:rPr lang="en-GB" sz="3600" dirty="0" smtClean="0">
+              <a:rPr lang="en-GB" sz="3600" dirty="0">
                 <a:latin typeface="Times New Roman" panose="02020603050405020304" pitchFamily="18" charset="0"/>
                 <a:cs typeface="Times New Roman" panose="02020603050405020304" pitchFamily="18" charset="0"/>
               </a:rPr>
               <a:t>Presentation</a:t>
             </a:r>
             <a:r>
-              <a:rPr lang="en-GB" dirty="0" smtClean="0">
+              <a:rPr lang="en-GB" dirty="0">
                 <a:latin typeface="Times New Roman" panose="02020603050405020304" pitchFamily="18" charset="0"/>
                 <a:cs typeface="Times New Roman" panose="02020603050405020304" pitchFamily="18" charset="0"/>
               </a:rPr>
               <a:t> </a:t>
             </a:r>
-            <a:endParaRPr lang="en-GB" dirty="0">
-              <a:latin typeface="Times New Roman" panose="02020603050405020304" pitchFamily="18" charset="0"/>
-              <a:cs typeface="Times New Roman" panose="02020603050405020304" pitchFamily="18" charset="0"/>
-            </a:endParaRPr>
           </a:p>
         </p:txBody>
       </p:sp>
@@ -3476,7 +3465,7 @@
           <a:lstStyle/>
           <a:p>
             <a:r>
-              <a:rPr lang="en-US" sz="2400" dirty="0" smtClean="0">
+              <a:rPr lang="en-US" sz="2400" dirty="0">
                 <a:solidFill>
                   <a:schemeClr val="bg1"/>
                 </a:solidFill>
@@ -3488,7 +3477,7 @@
           </a:p>
           <a:p>
             <a:r>
-              <a:rPr lang="en-US" sz="2400" dirty="0" smtClean="0">
+              <a:rPr lang="en-US" sz="2400" dirty="0">
                 <a:solidFill>
                   <a:schemeClr val="bg1"/>
                 </a:solidFill>
@@ -3500,7 +3489,7 @@
           </a:p>
           <a:p>
             <a:r>
-              <a:rPr lang="en-US" sz="2400" dirty="0" err="1" smtClean="0">
+              <a:rPr lang="en-US" sz="2400" dirty="0" err="1">
                 <a:solidFill>
                   <a:schemeClr val="bg1"/>
                 </a:solidFill>
@@ -3510,7 +3499,7 @@
               <a:t>Ronix</a:t>
             </a:r>
             <a:r>
-              <a:rPr lang="en-US" sz="2400" dirty="0" smtClean="0">
+              <a:rPr lang="en-US" sz="2400" dirty="0">
                 <a:solidFill>
                   <a:schemeClr val="bg1"/>
                 </a:solidFill>
@@ -3520,7 +3509,7 @@
               <a:t> </a:t>
             </a:r>
             <a:r>
-              <a:rPr lang="en-US" sz="2400" dirty="0" err="1" smtClean="0">
+              <a:rPr lang="en-US" sz="2400" dirty="0" err="1">
                 <a:solidFill>
                   <a:schemeClr val="bg1"/>
                 </a:solidFill>
@@ -3549,13 +3538,6 @@
   <p:clrMapOvr>
     <a:masterClrMapping/>
   </p:clrMapOvr>
-  <p:timing>
-    <p:tnLst>
-      <p:par>
-        <p:cTn id="1" dur="indefinite" restart="never" nodeType="tmRoot"/>
-      </p:par>
-    </p:tnLst>
-  </p:timing>
 </p:sld>
 </file>
 
@@ -3646,18 +3628,17 @@
                 <a:latin typeface="Times New Roman" panose="02020603050405020304" pitchFamily="18" charset="0"/>
                 <a:cs typeface="Times New Roman" panose="02020603050405020304" pitchFamily="18" charset="0"/>
               </a:rPr>
-              <a:t>To make the system work, we have various web hosting service providers for domain registration and web servers, as well as  </a:t>
-            </a:r>
-            <a:r>
-              <a:rPr lang="en-GB" sz="1800" b="0" i="0" u="none" strike="noStrike" dirty="0" err="1">
+              <a:t>To make the system work, we have various web hosting service providers for domain registration and web servers</a:t>
+            </a:r>
+            <a:r>
+              <a:rPr lang="en-GB" sz="1800" dirty="0">
                 <a:solidFill>
                   <a:srgbClr val="000000"/>
                 </a:solidFill>
-                <a:effectLst/>
                 <a:latin typeface="Times New Roman" panose="02020603050405020304" pitchFamily="18" charset="0"/>
                 <a:cs typeface="Times New Roman" panose="02020603050405020304" pitchFamily="18" charset="0"/>
               </a:rPr>
-              <a:t>Cpanels</a:t>
+              <a:t> </a:t>
             </a:r>
             <a:r>
               <a:rPr lang="en-GB" sz="1800" b="0" i="0" u="none" strike="noStrike" dirty="0">
@@ -3668,29 +3649,7 @@
                 <a:latin typeface="Times New Roman" panose="02020603050405020304" pitchFamily="18" charset="0"/>
                 <a:cs typeface="Times New Roman" panose="02020603050405020304" pitchFamily="18" charset="0"/>
               </a:rPr>
-              <a:t> to manage and serve the </a:t>
-            </a:r>
-            <a:r>
-              <a:rPr lang="en-GB" sz="1800" b="0" i="0" u="none" strike="noStrike" dirty="0" smtClean="0">
-                <a:solidFill>
-                  <a:srgbClr val="000000"/>
-                </a:solidFill>
-                <a:effectLst/>
-                <a:latin typeface="Times New Roman" panose="02020603050405020304" pitchFamily="18" charset="0"/>
-                <a:cs typeface="Times New Roman" panose="02020603050405020304" pitchFamily="18" charset="0"/>
-              </a:rPr>
-              <a:t>listing </a:t>
-            </a:r>
-            <a:r>
-              <a:rPr lang="en-GB" sz="1800" b="0" i="0" u="none" strike="noStrike" dirty="0">
-                <a:solidFill>
-                  <a:srgbClr val="000000"/>
-                </a:solidFill>
-                <a:effectLst/>
-                <a:latin typeface="Times New Roman" panose="02020603050405020304" pitchFamily="18" charset="0"/>
-                <a:cs typeface="Times New Roman" panose="02020603050405020304" pitchFamily="18" charset="0"/>
-              </a:rPr>
-              <a:t>properties within the system.</a:t>
+              <a:t>manage and serve the listing properties within the system.</a:t>
             </a:r>
             <a:endParaRPr lang="en-GB" b="0" dirty="0">
               <a:effectLst/>
@@ -3717,18 +3676,7 @@
                 <a:latin typeface="Times New Roman" panose="02020603050405020304" pitchFamily="18" charset="0"/>
                 <a:cs typeface="Times New Roman" panose="02020603050405020304" pitchFamily="18" charset="0"/>
               </a:rPr>
-              <a:t>Therefore, the proposed system is operational</a:t>
-            </a:r>
-            <a:r>
-              <a:rPr lang="en-GB" sz="1800" b="0" i="0" u="none" strike="noStrike" dirty="0" smtClean="0">
-                <a:solidFill>
-                  <a:srgbClr val="000000"/>
-                </a:solidFill>
-                <a:effectLst/>
-                <a:latin typeface="Times New Roman" panose="02020603050405020304" pitchFamily="18" charset="0"/>
-                <a:cs typeface="Times New Roman" panose="02020603050405020304" pitchFamily="18" charset="0"/>
-              </a:rPr>
-              <a:t>.</a:t>
+              <a:t>Therefore, the proposed system is operational.</a:t>
             </a:r>
           </a:p>
         </p:txBody>
@@ -3743,13 +3691,6 @@
   <p:clrMapOvr>
     <a:masterClrMapping/>
   </p:clrMapOvr>
-  <p:timing>
-    <p:tnLst>
-      <p:par>
-        <p:cTn id="1" dur="indefinite" restart="never" nodeType="tmRoot"/>
-      </p:par>
-    </p:tnLst>
-  </p:timing>
 </p:sld>
 </file>
 
@@ -3914,13 +3855,6 @@
   <p:clrMapOvr>
     <a:masterClrMapping/>
   </p:clrMapOvr>
-  <p:timing>
-    <p:tnLst>
-      <p:par>
-        <p:cTn id="1" dur="indefinite" restart="never" nodeType="tmRoot"/>
-      </p:par>
-    </p:tnLst>
-  </p:timing>
 </p:sld>
 </file>
 
@@ -3977,55 +3911,6 @@
           </a:p>
         </p:txBody>
       </p:sp>
-      <p:pic>
-        <p:nvPicPr>
-          <p:cNvPr id="2050" name="Picture 2">
-            <a:extLst>
-              <a:ext uri="{FF2B5EF4-FFF2-40B4-BE49-F238E27FC236}">
-                <a16:creationId xmlns:a16="http://schemas.microsoft.com/office/drawing/2014/main" id="{D4FEC5FB-580D-4B52-94B5-7F1A1BA4962D}"/>
-              </a:ext>
-            </a:extLst>
-          </p:cNvPr>
-          <p:cNvPicPr>
-            <a:picLocks noGrp="1" noChangeAspect="1" noChangeArrowheads="1"/>
-          </p:cNvPicPr>
-          <p:nvPr>
-            <p:ph idx="1"/>
-          </p:nvPr>
-        </p:nvPicPr>
-        <p:blipFill>
-          <a:blip r:embed="rId2">
-            <a:extLst>
-              <a:ext uri="{28A0092B-C50C-407E-A947-70E740481C1C}">
-                <a14:useLocalDpi xmlns:a14="http://schemas.microsoft.com/office/drawing/2010/main" val="0"/>
-              </a:ext>
-            </a:extLst>
-          </a:blip>
-          <a:srcRect/>
-          <a:stretch>
-            <a:fillRect/>
-          </a:stretch>
-        </p:blipFill>
-        <p:spPr bwMode="auto">
-          <a:xfrm>
-            <a:off x="3472207" y="2546270"/>
-            <a:ext cx="4681980" cy="3511484"/>
-          </a:xfrm>
-          <a:prstGeom prst="rect">
-            <a:avLst/>
-          </a:prstGeom>
-          <a:noFill/>
-          <a:extLst>
-            <a:ext uri="{909E8E84-426E-40DD-AFC4-6F175D3DCCD1}">
-              <a14:hiddenFill xmlns:a14="http://schemas.microsoft.com/office/drawing/2010/main">
-                <a:solidFill>
-                  <a:srgbClr val="FFFFFF"/>
-                </a:solidFill>
-              </a14:hiddenFill>
-            </a:ext>
-          </a:extLst>
-        </p:spPr>
-      </p:pic>
       <p:sp>
         <p:nvSpPr>
           <p:cNvPr id="4" name="TextBox 3">
@@ -4073,6 +3958,40 @@
           </a:p>
         </p:txBody>
       </p:sp>
+      <p:pic>
+        <p:nvPicPr>
+          <p:cNvPr id="7" name="Picture 6">
+            <a:extLst>
+              <a:ext uri="{FF2B5EF4-FFF2-40B4-BE49-F238E27FC236}">
+                <a16:creationId xmlns:a16="http://schemas.microsoft.com/office/drawing/2014/main" id="{A15AF064-F324-454C-A267-71BBC2F7E3EC}"/>
+              </a:ext>
+            </a:extLst>
+          </p:cNvPr>
+          <p:cNvPicPr/>
+          <p:nvPr/>
+        </p:nvPicPr>
+        <p:blipFill>
+          <a:blip r:embed="rId2" cstate="print">
+            <a:extLst>
+              <a:ext uri="{28A0092B-C50C-407E-A947-70E740481C1C}">
+                <a14:useLocalDpi xmlns:a14="http://schemas.microsoft.com/office/drawing/2010/main" val="0"/>
+              </a:ext>
+            </a:extLst>
+          </a:blip>
+          <a:stretch>
+            <a:fillRect/>
+          </a:stretch>
+        </p:blipFill>
+        <p:spPr>
+          <a:xfrm>
+            <a:off x="2662989" y="2197768"/>
+            <a:ext cx="6537852" cy="3632710"/>
+          </a:xfrm>
+          <a:prstGeom prst="rect">
+            <a:avLst/>
+          </a:prstGeom>
+        </p:spPr>
+      </p:pic>
     </p:spTree>
     <p:extLst>
       <p:ext uri="{BB962C8B-B14F-4D97-AF65-F5344CB8AC3E}">
@@ -4083,13 +4002,6 @@
   <p:clrMapOvr>
     <a:masterClrMapping/>
   </p:clrMapOvr>
-  <p:timing>
-    <p:tnLst>
-      <p:par>
-        <p:cTn id="1" dur="indefinite" restart="never" nodeType="tmRoot"/>
-      </p:par>
-    </p:tnLst>
-  </p:timing>
 </p:sld>
 </file>
 
@@ -4150,22 +4062,32 @@
       </p:sp>
       <p:pic>
         <p:nvPicPr>
-          <p:cNvPr id="3" name="Picture 2"/>
-          <p:cNvPicPr>
-            <a:picLocks noChangeAspect="1"/>
-          </p:cNvPicPr>
+          <p:cNvPr id="4" name="Picture 3">
+            <a:extLst>
+              <a:ext uri="{FF2B5EF4-FFF2-40B4-BE49-F238E27FC236}">
+                <a16:creationId xmlns:a16="http://schemas.microsoft.com/office/drawing/2014/main" id="{AF297381-B8DC-4CEE-B1AD-8BF61B33A45F}"/>
+              </a:ext>
+            </a:extLst>
+          </p:cNvPr>
+          <p:cNvPicPr/>
           <p:nvPr/>
         </p:nvPicPr>
         <p:blipFill>
-          <a:blip r:embed="rId2"/>
+          <a:blip r:embed="rId2">
+            <a:extLst>
+              <a:ext uri="{28A0092B-C50C-407E-A947-70E740481C1C}">
+                <a14:useLocalDpi xmlns:a14="http://schemas.microsoft.com/office/drawing/2010/main" val="0"/>
+              </a:ext>
+            </a:extLst>
+          </a:blip>
           <a:stretch>
             <a:fillRect/>
           </a:stretch>
         </p:blipFill>
         <p:spPr>
           <a:xfrm>
-            <a:off x="1573696" y="1167107"/>
-            <a:ext cx="7715888" cy="5242082"/>
+            <a:off x="3743383" y="1167107"/>
+            <a:ext cx="5801670" cy="5385204"/>
           </a:xfrm>
           <a:prstGeom prst="rect">
             <a:avLst/>
@@ -4182,13 +4104,6 @@
   <p:clrMapOvr>
     <a:masterClrMapping/>
   </p:clrMapOvr>
-  <p:timing>
-    <p:tnLst>
-      <p:par>
-        <p:cTn id="1" dur="indefinite" restart="never" nodeType="tmRoot"/>
-      </p:par>
-    </p:tnLst>
-  </p:timing>
 </p:sld>
 </file>
 
@@ -4247,22 +4162,32 @@
       </p:sp>
       <p:pic>
         <p:nvPicPr>
-          <p:cNvPr id="3" name="Picture 2"/>
-          <p:cNvPicPr>
-            <a:picLocks noChangeAspect="1"/>
-          </p:cNvPicPr>
+          <p:cNvPr id="4" name="Picture 3">
+            <a:extLst>
+              <a:ext uri="{FF2B5EF4-FFF2-40B4-BE49-F238E27FC236}">
+                <a16:creationId xmlns:a16="http://schemas.microsoft.com/office/drawing/2014/main" id="{EEF44491-B74F-4F62-89EF-BC2C6AA4C31E}"/>
+              </a:ext>
+            </a:extLst>
+          </p:cNvPr>
+          <p:cNvPicPr/>
           <p:nvPr/>
         </p:nvPicPr>
         <p:blipFill>
-          <a:blip r:embed="rId2"/>
+          <a:blip r:embed="rId2" cstate="print">
+            <a:extLst>
+              <a:ext uri="{28A0092B-C50C-407E-A947-70E740481C1C}">
+                <a14:useLocalDpi xmlns:a14="http://schemas.microsoft.com/office/drawing/2010/main" val="0"/>
+              </a:ext>
+            </a:extLst>
+          </a:blip>
           <a:stretch>
             <a:fillRect/>
           </a:stretch>
         </p:blipFill>
         <p:spPr>
           <a:xfrm>
-            <a:off x="2324110" y="915447"/>
-            <a:ext cx="7508002" cy="5678145"/>
+            <a:off x="1620252" y="1156686"/>
+            <a:ext cx="8951496" cy="4955354"/>
           </a:xfrm>
           <a:prstGeom prst="rect">
             <a:avLst/>
@@ -4279,13 +4204,6 @@
   <p:clrMapOvr>
     <a:masterClrMapping/>
   </p:clrMapOvr>
-  <p:timing>
-    <p:tnLst>
-      <p:par>
-        <p:cTn id="1" dur="indefinite" restart="never" nodeType="tmRoot"/>
-      </p:par>
-    </p:tnLst>
-  </p:timing>
 </p:sld>
 </file>
 
@@ -4344,18 +4262,57 @@
           </a:p>
         </p:txBody>
       </p:sp>
-      <p:pic>
-        <p:nvPicPr>
-          <p:cNvPr id="4098" name="Picture 2">
+      <p:sp>
+        <p:nvSpPr>
+          <p:cNvPr id="3" name="TextBox 2">
             <a:extLst>
               <a:ext uri="{FF2B5EF4-FFF2-40B4-BE49-F238E27FC236}">
-                <a16:creationId xmlns:a16="http://schemas.microsoft.com/office/drawing/2014/main" id="{13128FBF-C617-418E-A8F3-D026DA7293FB}"/>
+                <a16:creationId xmlns:a16="http://schemas.microsoft.com/office/drawing/2014/main" id="{33C0A919-250B-47C5-9587-561C46E45744}"/>
               </a:ext>
             </a:extLst>
           </p:cNvPr>
-          <p:cNvPicPr>
-            <a:picLocks noChangeAspect="1" noChangeArrowheads="1"/>
-          </p:cNvPicPr>
+          <p:cNvSpPr txBox="1"/>
+          <p:nvPr/>
+        </p:nvSpPr>
+        <p:spPr>
+          <a:xfrm>
+            <a:off x="1501943" y="6063916"/>
+            <a:ext cx="2765257" cy="369332"/>
+          </a:xfrm>
+          <a:prstGeom prst="rect">
+            <a:avLst/>
+          </a:prstGeom>
+          <a:noFill/>
+        </p:spPr>
+        <p:txBody>
+          <a:bodyPr wrap="square" rtlCol="0">
+            <a:spAutoFit/>
+          </a:bodyPr>
+          <a:lstStyle/>
+          <a:p>
+            <a:r>
+              <a:rPr lang="en-US" sz="1800" dirty="0">
+                <a:effectLst/>
+                <a:latin typeface="Calibri" panose="020F0502020204030204" pitchFamily="34" charset="0"/>
+                <a:ea typeface="Calibri" panose="020F0502020204030204" pitchFamily="34" charset="0"/>
+                <a:cs typeface="Mangal" panose="02040503050203030202" pitchFamily="18" charset="0"/>
+              </a:rPr>
+              <a:t>User login Flow-chart</a:t>
+            </a:r>
+            <a:endParaRPr lang="en-GB" dirty="0"/>
+          </a:p>
+        </p:txBody>
+      </p:sp>
+      <p:pic>
+        <p:nvPicPr>
+          <p:cNvPr id="6" name="Picture 5">
+            <a:extLst>
+              <a:ext uri="{FF2B5EF4-FFF2-40B4-BE49-F238E27FC236}">
+                <a16:creationId xmlns:a16="http://schemas.microsoft.com/office/drawing/2014/main" id="{FD8784BB-1CA2-44A3-ADBB-A311F3A1D6F2}"/>
+              </a:ext>
+            </a:extLst>
+          </p:cNvPr>
+          <p:cNvPicPr/>
           <p:nvPr/>
         </p:nvPicPr>
         <p:blipFill>
@@ -4366,31 +4323,182 @@
               </a:ext>
             </a:extLst>
           </a:blip>
-          <a:srcRect/>
           <a:stretch>
             <a:fillRect/>
           </a:stretch>
         </p:blipFill>
-        <p:spPr bwMode="auto">
+        <p:spPr>
           <a:xfrm>
-            <a:off x="3303488" y="1143301"/>
-            <a:ext cx="5549246" cy="5155860"/>
+            <a:off x="6691011" y="933254"/>
+            <a:ext cx="2957195" cy="4978400"/>
+          </a:xfrm>
+          <a:prstGeom prst="rect">
+            <a:avLst/>
+          </a:prstGeom>
+        </p:spPr>
+      </p:pic>
+      <p:sp>
+        <p:nvSpPr>
+          <p:cNvPr id="7" name="TextBox 6">
+            <a:extLst>
+              <a:ext uri="{FF2B5EF4-FFF2-40B4-BE49-F238E27FC236}">
+                <a16:creationId xmlns:a16="http://schemas.microsoft.com/office/drawing/2014/main" id="{F4E37566-931A-402B-95B8-921D45239B56}"/>
+              </a:ext>
+            </a:extLst>
+          </p:cNvPr>
+          <p:cNvSpPr txBox="1"/>
+          <p:nvPr/>
+        </p:nvSpPr>
+        <p:spPr>
+          <a:xfrm>
+            <a:off x="6691011" y="6064280"/>
+            <a:ext cx="2765257" cy="369332"/>
           </a:xfrm>
           <a:prstGeom prst="rect">
             <a:avLst/>
           </a:prstGeom>
           <a:noFill/>
-          <a:extLst>
-            <a:ext uri="{909E8E84-426E-40DD-AFC4-6F175D3DCCD1}">
-              <a14:hiddenFill xmlns:a14="http://schemas.microsoft.com/office/drawing/2010/main">
-                <a:solidFill>
-                  <a:srgbClr val="FFFFFF"/>
-                </a:solidFill>
-              </a14:hiddenFill>
-            </a:ext>
-          </a:extLst>
         </p:spPr>
-      </p:pic>
+        <p:txBody>
+          <a:bodyPr wrap="square" rtlCol="0">
+            <a:spAutoFit/>
+          </a:bodyPr>
+          <a:lstStyle/>
+          <a:p>
+            <a:r>
+              <a:rPr lang="en-US" dirty="0">
+                <a:latin typeface="Calibri" panose="020F0502020204030204" pitchFamily="34" charset="0"/>
+                <a:ea typeface="Calibri" panose="020F0502020204030204" pitchFamily="34" charset="0"/>
+                <a:cs typeface="Mangal" panose="02040503050203030202" pitchFamily="18" charset="0"/>
+              </a:rPr>
+              <a:t>Admin</a:t>
+            </a:r>
+            <a:r>
+              <a:rPr lang="en-US" sz="1800" dirty="0">
+                <a:effectLst/>
+                <a:latin typeface="Calibri" panose="020F0502020204030204" pitchFamily="34" charset="0"/>
+                <a:ea typeface="Calibri" panose="020F0502020204030204" pitchFamily="34" charset="0"/>
+                <a:cs typeface="Mangal" panose="02040503050203030202" pitchFamily="18" charset="0"/>
+              </a:rPr>
+              <a:t> login Flow-chart</a:t>
+            </a:r>
+            <a:endParaRPr lang="en-GB" dirty="0"/>
+          </a:p>
+        </p:txBody>
+      </p:sp>
+      <p:grpSp>
+        <p:nvGrpSpPr>
+          <p:cNvPr id="5" name="Group 4">
+            <a:extLst>
+              <a:ext uri="{FF2B5EF4-FFF2-40B4-BE49-F238E27FC236}">
+                <a16:creationId xmlns:a16="http://schemas.microsoft.com/office/drawing/2014/main" id="{14874948-7016-413D-9306-F62B6A8ACD00}"/>
+              </a:ext>
+            </a:extLst>
+          </p:cNvPr>
+          <p:cNvGrpSpPr/>
+          <p:nvPr/>
+        </p:nvGrpSpPr>
+        <p:grpSpPr>
+          <a:xfrm>
+            <a:off x="1501943" y="890067"/>
+            <a:ext cx="3449469" cy="5173849"/>
+            <a:chOff x="1501943" y="890067"/>
+            <a:chExt cx="3449469" cy="5173849"/>
+          </a:xfrm>
+        </p:grpSpPr>
+        <p:pic>
+          <p:nvPicPr>
+            <p:cNvPr id="8" name="Picture 7">
+              <a:extLst>
+                <a:ext uri="{FF2B5EF4-FFF2-40B4-BE49-F238E27FC236}">
+                  <a16:creationId xmlns:a16="http://schemas.microsoft.com/office/drawing/2014/main" id="{AB27444C-D67E-4421-934E-2E11D233BED2}"/>
+                </a:ext>
+              </a:extLst>
+            </p:cNvPr>
+            <p:cNvPicPr/>
+            <p:nvPr/>
+          </p:nvPicPr>
+          <p:blipFill>
+            <a:blip r:embed="rId3">
+              <a:extLst>
+                <a:ext uri="{28A0092B-C50C-407E-A947-70E740481C1C}">
+                  <a14:useLocalDpi xmlns:a14="http://schemas.microsoft.com/office/drawing/2010/main" val="0"/>
+                </a:ext>
+              </a:extLst>
+            </a:blip>
+            <a:stretch>
+              <a:fillRect/>
+            </a:stretch>
+          </p:blipFill>
+          <p:spPr>
+            <a:xfrm>
+              <a:off x="1501943" y="890067"/>
+              <a:ext cx="2957195" cy="5173849"/>
+            </a:xfrm>
+            <a:prstGeom prst="rect">
+              <a:avLst/>
+            </a:prstGeom>
+          </p:spPr>
+        </p:pic>
+        <p:sp>
+          <p:nvSpPr>
+            <p:cNvPr id="9" name="Rectangle 8">
+              <a:extLst>
+                <a:ext uri="{FF2B5EF4-FFF2-40B4-BE49-F238E27FC236}">
+                  <a16:creationId xmlns:a16="http://schemas.microsoft.com/office/drawing/2014/main" id="{32937979-51F4-4E0B-A567-5D0F4AD57719}"/>
+                </a:ext>
+              </a:extLst>
+            </p:cNvPr>
+            <p:cNvSpPr/>
+            <p:nvPr/>
+          </p:nvSpPr>
+          <p:spPr>
+            <a:xfrm>
+              <a:off x="2403157" y="4637723"/>
+              <a:ext cx="2548255" cy="313055"/>
+            </a:xfrm>
+            <a:prstGeom prst="rect">
+              <a:avLst/>
+            </a:prstGeom>
+            <a:solidFill>
+              <a:schemeClr val="bg1"/>
+            </a:solidFill>
+            <a:ln>
+              <a:solidFill>
+                <a:schemeClr val="bg1"/>
+              </a:solidFill>
+            </a:ln>
+          </p:spPr>
+          <p:style>
+            <a:lnRef idx="2">
+              <a:schemeClr val="accent1">
+                <a:shade val="50000"/>
+              </a:schemeClr>
+            </a:lnRef>
+            <a:fillRef idx="1">
+              <a:schemeClr val="accent1"/>
+            </a:fillRef>
+            <a:effectRef idx="0">
+              <a:schemeClr val="accent1"/>
+            </a:effectRef>
+            <a:fontRef idx="minor">
+              <a:schemeClr val="lt1"/>
+            </a:fontRef>
+          </p:style>
+          <p:txBody>
+            <a:bodyPr rot="0" spcFirstLastPara="0" vert="horz" wrap="square" lIns="91440" tIns="45720" rIns="91440" bIns="45720" numCol="1" spcCol="0" rtlCol="0" fromWordArt="0" anchor="ctr" anchorCtr="0" forceAA="0" compatLnSpc="1">
+              <a:prstTxWarp prst="textNoShape">
+                <a:avLst/>
+              </a:prstTxWarp>
+              <a:noAutofit/>
+            </a:bodyPr>
+            <a:lstStyle/>
+            <a:p>
+              <a:endParaRPr lang="en-GB"/>
+            </a:p>
+          </p:txBody>
+        </p:sp>
+      </p:grpSp>
     </p:spTree>
     <p:extLst>
       <p:ext uri="{BB962C8B-B14F-4D97-AF65-F5344CB8AC3E}">
@@ -4401,13 +4509,6 @@
   <p:clrMapOvr>
     <a:masterClrMapping/>
   </p:clrMapOvr>
-  <p:timing>
-    <p:tnLst>
-      <p:par>
-        <p:cTn id="1" dur="indefinite" restart="never" nodeType="tmRoot"/>
-      </p:par>
-    </p:tnLst>
-  </p:timing>
 </p:sld>
 </file>
 
@@ -4461,49 +4562,30 @@
       </p:sp>
       <p:pic>
         <p:nvPicPr>
-          <p:cNvPr id="5122" name="Picture 2">
+          <p:cNvPr id="4" name="Picture 3">
             <a:extLst>
               <a:ext uri="{FF2B5EF4-FFF2-40B4-BE49-F238E27FC236}">
-                <a16:creationId xmlns:a16="http://schemas.microsoft.com/office/drawing/2014/main" id="{3EC13E17-CF7D-4B52-95ED-466812B66079}"/>
+                <a16:creationId xmlns:a16="http://schemas.microsoft.com/office/drawing/2014/main" id="{6E8DC5F9-48C2-4844-A545-F8B716597F6E}"/>
               </a:ext>
             </a:extLst>
           </p:cNvPr>
-          <p:cNvPicPr>
-            <a:picLocks noChangeAspect="1" noChangeArrowheads="1"/>
-          </p:cNvPicPr>
+          <p:cNvPicPr/>
           <p:nvPr/>
         </p:nvPicPr>
         <p:blipFill>
-          <a:blip r:embed="rId2">
-            <a:extLst>
-              <a:ext uri="{28A0092B-C50C-407E-A947-70E740481C1C}">
-                <a14:useLocalDpi xmlns:a14="http://schemas.microsoft.com/office/drawing/2010/main" val="0"/>
-              </a:ext>
-            </a:extLst>
-          </a:blip>
-          <a:srcRect/>
+          <a:blip r:embed="rId2"/>
           <a:stretch>
             <a:fillRect/>
           </a:stretch>
         </p:blipFill>
-        <p:spPr bwMode="auto">
+        <p:spPr>
           <a:xfrm>
-            <a:off x="1143000" y="1662880"/>
-            <a:ext cx="8892618" cy="4608798"/>
+            <a:off x="598732" y="1628274"/>
+            <a:ext cx="10994536" cy="3826042"/>
           </a:xfrm>
           <a:prstGeom prst="rect">
             <a:avLst/>
           </a:prstGeom>
-          <a:noFill/>
-          <a:extLst>
-            <a:ext uri="{909E8E84-426E-40DD-AFC4-6F175D3DCCD1}">
-              <a14:hiddenFill xmlns:a14="http://schemas.microsoft.com/office/drawing/2010/main">
-                <a:solidFill>
-                  <a:srgbClr val="FFFFFF"/>
-                </a:solidFill>
-              </a14:hiddenFill>
-            </a:ext>
-          </a:extLst>
         </p:spPr>
       </p:pic>
     </p:spTree>
@@ -4573,17 +4655,6 @@
               </a:rPr>
               <a:t>roject timeline</a:t>
             </a:r>
-            <a:r>
-              <a:rPr lang="en-US" altLang="en-US" b="1" dirty="0">
-                <a:solidFill>
-                  <a:schemeClr val="tx1"/>
-                </a:solidFill>
-                <a:latin typeface="Times New Roman" panose="02020603050405020304" pitchFamily="18" charset="0"/>
-                <a:ea typeface="Times New Roman" panose="02020603050405020304" pitchFamily="18" charset="0"/>
-                <a:cs typeface="Times New Roman" panose="02020603050405020304" pitchFamily="18" charset="0"/>
-              </a:rPr>
-              <a:t/>
-            </a:r>
             <a:br>
               <a:rPr lang="en-US" altLang="en-US" b="1" dirty="0">
                 <a:solidFill>
@@ -4601,821 +4672,6 @@
           </a:p>
         </p:txBody>
       </p:sp>
-      <p:graphicFrame>
-        <p:nvGraphicFramePr>
-          <p:cNvPr id="4" name="Content Placeholder 3"/>
-          <p:cNvGraphicFramePr>
-            <a:graphicFrameLocks noGrp="1"/>
-          </p:cNvGraphicFramePr>
-          <p:nvPr>
-            <p:ph idx="1"/>
-            <p:extLst>
-              <p:ext uri="{D42A27DB-BD31-4B8C-83A1-F6EECF244321}">
-                <p14:modId xmlns:p14="http://schemas.microsoft.com/office/powerpoint/2010/main" val="3242515453"/>
-              </p:ext>
-            </p:extLst>
-          </p:nvPr>
-        </p:nvGraphicFramePr>
-        <p:xfrm>
-          <a:off x="1238250" y="2066381"/>
-          <a:ext cx="7805083" cy="3562629"/>
-        </p:xfrm>
-        <a:graphic>
-          <a:graphicData uri="http://schemas.openxmlformats.org/drawingml/2006/table">
-            <a:tbl>
-              <a:tblPr>
-                <a:tableStyleId>{5C22544A-7EE6-4342-B048-85BDC9FD1C3A}</a:tableStyleId>
-              </a:tblPr>
-              <a:tblGrid>
-                <a:gridCol w="2666245">
-                  <a:extLst>
-                    <a:ext uri="{9D8B030D-6E8A-4147-A177-3AD203B41FA5}">
-                      <a16:colId xmlns:a16="http://schemas.microsoft.com/office/drawing/2014/main" val="3301240412"/>
-                    </a:ext>
-                  </a:extLst>
-                </a:gridCol>
-                <a:gridCol w="2569419">
-                  <a:extLst>
-                    <a:ext uri="{9D8B030D-6E8A-4147-A177-3AD203B41FA5}">
-                      <a16:colId xmlns:a16="http://schemas.microsoft.com/office/drawing/2014/main" val="1178222469"/>
-                    </a:ext>
-                  </a:extLst>
-                </a:gridCol>
-                <a:gridCol w="2569419">
-                  <a:extLst>
-                    <a:ext uri="{9D8B030D-6E8A-4147-A177-3AD203B41FA5}">
-                      <a16:colId xmlns:a16="http://schemas.microsoft.com/office/drawing/2014/main" val="1778417103"/>
-                    </a:ext>
-                  </a:extLst>
-                </a:gridCol>
-              </a:tblGrid>
-              <a:tr h="508947">
-                <a:tc>
-                  <a:txBody>
-                    <a:bodyPr/>
-                    <a:lstStyle/>
-                    <a:p>
-                      <a:pPr marL="0" marR="0">
-                        <a:lnSpc>
-                          <a:spcPct val="107000"/>
-                        </a:lnSpc>
-                        <a:spcBef>
-                          <a:spcPts val="0"/>
-                        </a:spcBef>
-                        <a:spcAft>
-                          <a:spcPts val="0"/>
-                        </a:spcAft>
-                      </a:pPr>
-                      <a:r>
-                        <a:rPr lang="en-US" sz="2000" b="1" dirty="0">
-                          <a:effectLst/>
-                          <a:latin typeface="Times New Roman" panose="02020603050405020304" pitchFamily="18" charset="0"/>
-                          <a:cs typeface="Times New Roman" panose="02020603050405020304" pitchFamily="18" charset="0"/>
-                        </a:rPr>
-                        <a:t>Task</a:t>
-                      </a:r>
-                      <a:endParaRPr lang="en-US" sz="2000" b="1" dirty="0">
-                        <a:effectLst/>
-                        <a:latin typeface="Times New Roman" panose="02020603050405020304" pitchFamily="18" charset="0"/>
-                        <a:ea typeface="Calibri" panose="020F0502020204030204" pitchFamily="34" charset="0"/>
-                        <a:cs typeface="Times New Roman" panose="02020603050405020304" pitchFamily="18" charset="0"/>
-                      </a:endParaRPr>
-                    </a:p>
-                  </a:txBody>
-                  <a:tcPr marL="63500" marR="63500" marT="63500" marB="63500"/>
-                </a:tc>
-                <a:tc>
-                  <a:txBody>
-                    <a:bodyPr/>
-                    <a:lstStyle/>
-                    <a:p>
-                      <a:pPr marL="0" marR="0">
-                        <a:lnSpc>
-                          <a:spcPct val="107000"/>
-                        </a:lnSpc>
-                        <a:spcBef>
-                          <a:spcPts val="0"/>
-                        </a:spcBef>
-                        <a:spcAft>
-                          <a:spcPts val="0"/>
-                        </a:spcAft>
-                      </a:pPr>
-                      <a:r>
-                        <a:rPr lang="en-US" sz="2000" b="1" dirty="0">
-                          <a:effectLst/>
-                          <a:latin typeface="Times New Roman" panose="02020603050405020304" pitchFamily="18" charset="0"/>
-                          <a:cs typeface="Times New Roman" panose="02020603050405020304" pitchFamily="18" charset="0"/>
-                        </a:rPr>
-                        <a:t>Start Date</a:t>
-                      </a:r>
-                      <a:endParaRPr lang="en-US" sz="2000" b="1" dirty="0">
-                        <a:effectLst/>
-                        <a:latin typeface="Times New Roman" panose="02020603050405020304" pitchFamily="18" charset="0"/>
-                        <a:ea typeface="Calibri" panose="020F0502020204030204" pitchFamily="34" charset="0"/>
-                        <a:cs typeface="Times New Roman" panose="02020603050405020304" pitchFamily="18" charset="0"/>
-                      </a:endParaRPr>
-                    </a:p>
-                  </a:txBody>
-                  <a:tcPr marL="63500" marR="63500" marT="63500" marB="63500"/>
-                </a:tc>
-                <a:tc>
-                  <a:txBody>
-                    <a:bodyPr/>
-                    <a:lstStyle/>
-                    <a:p>
-                      <a:pPr marL="0" marR="0">
-                        <a:lnSpc>
-                          <a:spcPct val="107000"/>
-                        </a:lnSpc>
-                        <a:spcBef>
-                          <a:spcPts val="0"/>
-                        </a:spcBef>
-                        <a:spcAft>
-                          <a:spcPts val="0"/>
-                        </a:spcAft>
-                      </a:pPr>
-                      <a:r>
-                        <a:rPr lang="en-US" sz="2000" b="1" dirty="0">
-                          <a:effectLst/>
-                          <a:latin typeface="Times New Roman" panose="02020603050405020304" pitchFamily="18" charset="0"/>
-                          <a:cs typeface="Times New Roman" panose="02020603050405020304" pitchFamily="18" charset="0"/>
-                        </a:rPr>
-                        <a:t>End Date</a:t>
-                      </a:r>
-                      <a:endParaRPr lang="en-US" sz="2000" b="1" dirty="0">
-                        <a:effectLst/>
-                        <a:latin typeface="Times New Roman" panose="02020603050405020304" pitchFamily="18" charset="0"/>
-                        <a:ea typeface="Calibri" panose="020F0502020204030204" pitchFamily="34" charset="0"/>
-                        <a:cs typeface="Times New Roman" panose="02020603050405020304" pitchFamily="18" charset="0"/>
-                      </a:endParaRPr>
-                    </a:p>
-                  </a:txBody>
-                  <a:tcPr marL="63500" marR="63500" marT="63500" marB="63500"/>
-                </a:tc>
-                <a:extLst>
-                  <a:ext uri="{0D108BD9-81ED-4DB2-BD59-A6C34878D82A}">
-                    <a16:rowId xmlns:a16="http://schemas.microsoft.com/office/drawing/2014/main" val="2476392031"/>
-                  </a:ext>
-                </a:extLst>
-              </a:tr>
-              <a:tr h="508947">
-                <a:tc>
-                  <a:txBody>
-                    <a:bodyPr/>
-                    <a:lstStyle/>
-                    <a:p>
-                      <a:pPr marL="0" marR="0">
-                        <a:lnSpc>
-                          <a:spcPct val="107000"/>
-                        </a:lnSpc>
-                        <a:spcBef>
-                          <a:spcPts val="0"/>
-                        </a:spcBef>
-                        <a:spcAft>
-                          <a:spcPts val="0"/>
-                        </a:spcAft>
-                      </a:pPr>
-                      <a:r>
-                        <a:rPr lang="en-US" sz="2000" dirty="0">
-                          <a:effectLst/>
-                          <a:latin typeface="Times New Roman" panose="02020603050405020304" pitchFamily="18" charset="0"/>
-                          <a:cs typeface="Times New Roman" panose="02020603050405020304" pitchFamily="18" charset="0"/>
-                        </a:rPr>
-                        <a:t>Requirement analysis</a:t>
-                      </a:r>
-                      <a:endParaRPr lang="en-US" sz="2000" dirty="0">
-                        <a:effectLst/>
-                        <a:latin typeface="Times New Roman" panose="02020603050405020304" pitchFamily="18" charset="0"/>
-                        <a:ea typeface="Calibri" panose="020F0502020204030204" pitchFamily="34" charset="0"/>
-                        <a:cs typeface="Times New Roman" panose="02020603050405020304" pitchFamily="18" charset="0"/>
-                      </a:endParaRPr>
-                    </a:p>
-                  </a:txBody>
-                  <a:tcPr marL="63500" marR="63500" marT="63500" marB="63500"/>
-                </a:tc>
-                <a:tc>
-                  <a:txBody>
-                    <a:bodyPr/>
-                    <a:lstStyle/>
-                    <a:p>
-                      <a:pPr marL="0" marR="0">
-                        <a:lnSpc>
-                          <a:spcPct val="107000"/>
-                        </a:lnSpc>
-                        <a:spcBef>
-                          <a:spcPts val="0"/>
-                        </a:spcBef>
-                        <a:spcAft>
-                          <a:spcPts val="0"/>
-                        </a:spcAft>
-                      </a:pPr>
-                      <a:r>
-                        <a:rPr lang="en-US" sz="2000">
-                          <a:effectLst/>
-                          <a:latin typeface="Times New Roman" panose="02020603050405020304" pitchFamily="18" charset="0"/>
-                          <a:cs typeface="Times New Roman" panose="02020603050405020304" pitchFamily="18" charset="0"/>
-                        </a:rPr>
-                        <a:t>02/Feb/2024</a:t>
-                      </a:r>
-                      <a:endParaRPr lang="en-US" sz="2000">
-                        <a:effectLst/>
-                        <a:latin typeface="Times New Roman" panose="02020603050405020304" pitchFamily="18" charset="0"/>
-                        <a:ea typeface="Calibri" panose="020F0502020204030204" pitchFamily="34" charset="0"/>
-                        <a:cs typeface="Times New Roman" panose="02020603050405020304" pitchFamily="18" charset="0"/>
-                      </a:endParaRPr>
-                    </a:p>
-                  </a:txBody>
-                  <a:tcPr marL="63500" marR="63500" marT="63500" marB="63500"/>
-                </a:tc>
-                <a:tc>
-                  <a:txBody>
-                    <a:bodyPr/>
-                    <a:lstStyle/>
-                    <a:p>
-                      <a:pPr marL="0" marR="0">
-                        <a:lnSpc>
-                          <a:spcPct val="107000"/>
-                        </a:lnSpc>
-                        <a:spcBef>
-                          <a:spcPts val="0"/>
-                        </a:spcBef>
-                        <a:spcAft>
-                          <a:spcPts val="0"/>
-                        </a:spcAft>
-                      </a:pPr>
-                      <a:r>
-                        <a:rPr lang="en-US" sz="2000">
-                          <a:effectLst/>
-                          <a:latin typeface="Times New Roman" panose="02020603050405020304" pitchFamily="18" charset="0"/>
-                          <a:cs typeface="Times New Roman" panose="02020603050405020304" pitchFamily="18" charset="0"/>
-                        </a:rPr>
-                        <a:t>20/Feb/2024</a:t>
-                      </a:r>
-                      <a:endParaRPr lang="en-US" sz="2000">
-                        <a:effectLst/>
-                        <a:latin typeface="Times New Roman" panose="02020603050405020304" pitchFamily="18" charset="0"/>
-                        <a:ea typeface="Calibri" panose="020F0502020204030204" pitchFamily="34" charset="0"/>
-                        <a:cs typeface="Times New Roman" panose="02020603050405020304" pitchFamily="18" charset="0"/>
-                      </a:endParaRPr>
-                    </a:p>
-                  </a:txBody>
-                  <a:tcPr marL="63500" marR="63500" marT="63500" marB="63500"/>
-                </a:tc>
-                <a:extLst>
-                  <a:ext uri="{0D108BD9-81ED-4DB2-BD59-A6C34878D82A}">
-                    <a16:rowId xmlns:a16="http://schemas.microsoft.com/office/drawing/2014/main" val="1477157672"/>
-                  </a:ext>
-                </a:extLst>
-              </a:tr>
-              <a:tr h="508947">
-                <a:tc>
-                  <a:txBody>
-                    <a:bodyPr/>
-                    <a:lstStyle/>
-                    <a:p>
-                      <a:pPr marL="0" marR="0">
-                        <a:lnSpc>
-                          <a:spcPct val="107000"/>
-                        </a:lnSpc>
-                        <a:spcBef>
-                          <a:spcPts val="0"/>
-                        </a:spcBef>
-                        <a:spcAft>
-                          <a:spcPts val="0"/>
-                        </a:spcAft>
-                      </a:pPr>
-                      <a:r>
-                        <a:rPr lang="en-US" sz="2000" dirty="0">
-                          <a:effectLst/>
-                          <a:latin typeface="Times New Roman" panose="02020603050405020304" pitchFamily="18" charset="0"/>
-                          <a:cs typeface="Times New Roman" panose="02020603050405020304" pitchFamily="18" charset="0"/>
-                        </a:rPr>
-                        <a:t>System Design</a:t>
-                      </a:r>
-                      <a:endParaRPr lang="en-US" sz="2000" dirty="0">
-                        <a:effectLst/>
-                        <a:latin typeface="Times New Roman" panose="02020603050405020304" pitchFamily="18" charset="0"/>
-                        <a:ea typeface="Calibri" panose="020F0502020204030204" pitchFamily="34" charset="0"/>
-                        <a:cs typeface="Times New Roman" panose="02020603050405020304" pitchFamily="18" charset="0"/>
-                      </a:endParaRPr>
-                    </a:p>
-                  </a:txBody>
-                  <a:tcPr marL="63500" marR="63500" marT="63500" marB="63500"/>
-                </a:tc>
-                <a:tc>
-                  <a:txBody>
-                    <a:bodyPr/>
-                    <a:lstStyle/>
-                    <a:p>
-                      <a:pPr marL="0" marR="0">
-                        <a:lnSpc>
-                          <a:spcPct val="107000"/>
-                        </a:lnSpc>
-                        <a:spcBef>
-                          <a:spcPts val="0"/>
-                        </a:spcBef>
-                        <a:spcAft>
-                          <a:spcPts val="0"/>
-                        </a:spcAft>
-                      </a:pPr>
-                      <a:r>
-                        <a:rPr lang="en-US" sz="2000" dirty="0">
-                          <a:effectLst/>
-                          <a:latin typeface="Times New Roman" panose="02020603050405020304" pitchFamily="18" charset="0"/>
-                          <a:cs typeface="Times New Roman" panose="02020603050405020304" pitchFamily="18" charset="0"/>
-                        </a:rPr>
-                        <a:t>21/Feb/2024</a:t>
-                      </a:r>
-                      <a:endParaRPr lang="en-US" sz="2000" dirty="0">
-                        <a:effectLst/>
-                        <a:latin typeface="Times New Roman" panose="02020603050405020304" pitchFamily="18" charset="0"/>
-                        <a:ea typeface="Calibri" panose="020F0502020204030204" pitchFamily="34" charset="0"/>
-                        <a:cs typeface="Times New Roman" panose="02020603050405020304" pitchFamily="18" charset="0"/>
-                      </a:endParaRPr>
-                    </a:p>
-                  </a:txBody>
-                  <a:tcPr marL="63500" marR="63500" marT="63500" marB="63500"/>
-                </a:tc>
-                <a:tc>
-                  <a:txBody>
-                    <a:bodyPr/>
-                    <a:lstStyle/>
-                    <a:p>
-                      <a:pPr marL="0" marR="0">
-                        <a:lnSpc>
-                          <a:spcPct val="107000"/>
-                        </a:lnSpc>
-                        <a:spcBef>
-                          <a:spcPts val="0"/>
-                        </a:spcBef>
-                        <a:spcAft>
-                          <a:spcPts val="0"/>
-                        </a:spcAft>
-                      </a:pPr>
-                      <a:r>
-                        <a:rPr lang="en-US" sz="2000">
-                          <a:effectLst/>
-                          <a:latin typeface="Times New Roman" panose="02020603050405020304" pitchFamily="18" charset="0"/>
-                          <a:cs typeface="Times New Roman" panose="02020603050405020304" pitchFamily="18" charset="0"/>
-                        </a:rPr>
-                        <a:t>29/Feb/2024</a:t>
-                      </a:r>
-                      <a:endParaRPr lang="en-US" sz="2000">
-                        <a:effectLst/>
-                        <a:latin typeface="Times New Roman" panose="02020603050405020304" pitchFamily="18" charset="0"/>
-                        <a:ea typeface="Calibri" panose="020F0502020204030204" pitchFamily="34" charset="0"/>
-                        <a:cs typeface="Times New Roman" panose="02020603050405020304" pitchFamily="18" charset="0"/>
-                      </a:endParaRPr>
-                    </a:p>
-                  </a:txBody>
-                  <a:tcPr marL="63500" marR="63500" marT="63500" marB="63500"/>
-                </a:tc>
-                <a:extLst>
-                  <a:ext uri="{0D108BD9-81ED-4DB2-BD59-A6C34878D82A}">
-                    <a16:rowId xmlns:a16="http://schemas.microsoft.com/office/drawing/2014/main" val="411590591"/>
-                  </a:ext>
-                </a:extLst>
-              </a:tr>
-              <a:tr h="508947">
-                <a:tc>
-                  <a:txBody>
-                    <a:bodyPr/>
-                    <a:lstStyle/>
-                    <a:p>
-                      <a:pPr marL="0" marR="0">
-                        <a:lnSpc>
-                          <a:spcPct val="107000"/>
-                        </a:lnSpc>
-                        <a:spcBef>
-                          <a:spcPts val="0"/>
-                        </a:spcBef>
-                        <a:spcAft>
-                          <a:spcPts val="0"/>
-                        </a:spcAft>
-                      </a:pPr>
-                      <a:r>
-                        <a:rPr lang="en-US" sz="2000" dirty="0">
-                          <a:effectLst/>
-                          <a:latin typeface="Times New Roman" panose="02020603050405020304" pitchFamily="18" charset="0"/>
-                          <a:cs typeface="Times New Roman" panose="02020603050405020304" pitchFamily="18" charset="0"/>
-                        </a:rPr>
-                        <a:t>Implementation</a:t>
-                      </a:r>
-                      <a:endParaRPr lang="en-US" sz="2000" dirty="0">
-                        <a:effectLst/>
-                        <a:latin typeface="Times New Roman" panose="02020603050405020304" pitchFamily="18" charset="0"/>
-                        <a:ea typeface="Calibri" panose="020F0502020204030204" pitchFamily="34" charset="0"/>
-                        <a:cs typeface="Times New Roman" panose="02020603050405020304" pitchFamily="18" charset="0"/>
-                      </a:endParaRPr>
-                    </a:p>
-                  </a:txBody>
-                  <a:tcPr marL="63500" marR="63500" marT="63500" marB="63500"/>
-                </a:tc>
-                <a:tc>
-                  <a:txBody>
-                    <a:bodyPr/>
-                    <a:lstStyle/>
-                    <a:p>
-                      <a:pPr marL="0" marR="0">
-                        <a:lnSpc>
-                          <a:spcPct val="107000"/>
-                        </a:lnSpc>
-                        <a:spcBef>
-                          <a:spcPts val="0"/>
-                        </a:spcBef>
-                        <a:spcAft>
-                          <a:spcPts val="0"/>
-                        </a:spcAft>
-                      </a:pPr>
-                      <a:r>
-                        <a:rPr lang="en-US" sz="2000" dirty="0">
-                          <a:effectLst/>
-                          <a:latin typeface="Times New Roman" panose="02020603050405020304" pitchFamily="18" charset="0"/>
-                          <a:cs typeface="Times New Roman" panose="02020603050405020304" pitchFamily="18" charset="0"/>
-                        </a:rPr>
-                        <a:t>01/Mar/2024</a:t>
-                      </a:r>
-                      <a:endParaRPr lang="en-US" sz="2000" dirty="0">
-                        <a:effectLst/>
-                        <a:latin typeface="Times New Roman" panose="02020603050405020304" pitchFamily="18" charset="0"/>
-                        <a:ea typeface="Calibri" panose="020F0502020204030204" pitchFamily="34" charset="0"/>
-                        <a:cs typeface="Times New Roman" panose="02020603050405020304" pitchFamily="18" charset="0"/>
-                      </a:endParaRPr>
-                    </a:p>
-                  </a:txBody>
-                  <a:tcPr marL="63500" marR="63500" marT="63500" marB="63500"/>
-                </a:tc>
-                <a:tc>
-                  <a:txBody>
-                    <a:bodyPr/>
-                    <a:lstStyle/>
-                    <a:p>
-                      <a:pPr marL="0" marR="0">
-                        <a:lnSpc>
-                          <a:spcPct val="107000"/>
-                        </a:lnSpc>
-                        <a:spcBef>
-                          <a:spcPts val="0"/>
-                        </a:spcBef>
-                        <a:spcAft>
-                          <a:spcPts val="0"/>
-                        </a:spcAft>
-                      </a:pPr>
-                      <a:r>
-                        <a:rPr lang="en-US" sz="2000">
-                          <a:effectLst/>
-                          <a:latin typeface="Times New Roman" panose="02020603050405020304" pitchFamily="18" charset="0"/>
-                          <a:cs typeface="Times New Roman" panose="02020603050405020304" pitchFamily="18" charset="0"/>
-                        </a:rPr>
-                        <a:t>15/Mar/2024</a:t>
-                      </a:r>
-                      <a:endParaRPr lang="en-US" sz="2000">
-                        <a:effectLst/>
-                        <a:latin typeface="Times New Roman" panose="02020603050405020304" pitchFamily="18" charset="0"/>
-                        <a:ea typeface="Calibri" panose="020F0502020204030204" pitchFamily="34" charset="0"/>
-                        <a:cs typeface="Times New Roman" panose="02020603050405020304" pitchFamily="18" charset="0"/>
-                      </a:endParaRPr>
-                    </a:p>
-                  </a:txBody>
-                  <a:tcPr marL="63500" marR="63500" marT="63500" marB="63500"/>
-                </a:tc>
-                <a:extLst>
-                  <a:ext uri="{0D108BD9-81ED-4DB2-BD59-A6C34878D82A}">
-                    <a16:rowId xmlns:a16="http://schemas.microsoft.com/office/drawing/2014/main" val="1252660516"/>
-                  </a:ext>
-                </a:extLst>
-              </a:tr>
-              <a:tr h="508947">
-                <a:tc>
-                  <a:txBody>
-                    <a:bodyPr/>
-                    <a:lstStyle/>
-                    <a:p>
-                      <a:pPr marL="0" marR="0">
-                        <a:lnSpc>
-                          <a:spcPct val="107000"/>
-                        </a:lnSpc>
-                        <a:spcBef>
-                          <a:spcPts val="0"/>
-                        </a:spcBef>
-                        <a:spcAft>
-                          <a:spcPts val="0"/>
-                        </a:spcAft>
-                      </a:pPr>
-                      <a:r>
-                        <a:rPr lang="en-US" sz="2000" dirty="0">
-                          <a:effectLst/>
-                          <a:latin typeface="Times New Roman" panose="02020603050405020304" pitchFamily="18" charset="0"/>
-                          <a:cs typeface="Times New Roman" panose="02020603050405020304" pitchFamily="18" charset="0"/>
-                        </a:rPr>
-                        <a:t>Testing</a:t>
-                      </a:r>
-                      <a:endParaRPr lang="en-US" sz="2000" dirty="0">
-                        <a:effectLst/>
-                        <a:latin typeface="Times New Roman" panose="02020603050405020304" pitchFamily="18" charset="0"/>
-                        <a:ea typeface="Calibri" panose="020F0502020204030204" pitchFamily="34" charset="0"/>
-                        <a:cs typeface="Times New Roman" panose="02020603050405020304" pitchFamily="18" charset="0"/>
-                      </a:endParaRPr>
-                    </a:p>
-                  </a:txBody>
-                  <a:tcPr marL="63500" marR="63500" marT="63500" marB="63500"/>
-                </a:tc>
-                <a:tc>
-                  <a:txBody>
-                    <a:bodyPr/>
-                    <a:lstStyle/>
-                    <a:p>
-                      <a:pPr marL="0" marR="0">
-                        <a:lnSpc>
-                          <a:spcPct val="107000"/>
-                        </a:lnSpc>
-                        <a:spcBef>
-                          <a:spcPts val="0"/>
-                        </a:spcBef>
-                        <a:spcAft>
-                          <a:spcPts val="0"/>
-                        </a:spcAft>
-                      </a:pPr>
-                      <a:r>
-                        <a:rPr lang="en-US" sz="2000" dirty="0">
-                          <a:effectLst/>
-                          <a:latin typeface="Times New Roman" panose="02020603050405020304" pitchFamily="18" charset="0"/>
-                          <a:cs typeface="Times New Roman" panose="02020603050405020304" pitchFamily="18" charset="0"/>
-                        </a:rPr>
-                        <a:t>15/Mar/2024</a:t>
-                      </a:r>
-                      <a:endParaRPr lang="en-US" sz="2000" dirty="0">
-                        <a:effectLst/>
-                        <a:latin typeface="Times New Roman" panose="02020603050405020304" pitchFamily="18" charset="0"/>
-                        <a:ea typeface="Calibri" panose="020F0502020204030204" pitchFamily="34" charset="0"/>
-                        <a:cs typeface="Times New Roman" panose="02020603050405020304" pitchFamily="18" charset="0"/>
-                      </a:endParaRPr>
-                    </a:p>
-                  </a:txBody>
-                  <a:tcPr marL="63500" marR="63500" marT="63500" marB="63500"/>
-                </a:tc>
-                <a:tc>
-                  <a:txBody>
-                    <a:bodyPr/>
-                    <a:lstStyle/>
-                    <a:p>
-                      <a:pPr marL="0" marR="0">
-                        <a:lnSpc>
-                          <a:spcPct val="107000"/>
-                        </a:lnSpc>
-                        <a:spcBef>
-                          <a:spcPts val="0"/>
-                        </a:spcBef>
-                        <a:spcAft>
-                          <a:spcPts val="0"/>
-                        </a:spcAft>
-                      </a:pPr>
-                      <a:r>
-                        <a:rPr lang="en-US" sz="2000" dirty="0">
-                          <a:effectLst/>
-                          <a:latin typeface="Times New Roman" panose="02020603050405020304" pitchFamily="18" charset="0"/>
-                          <a:cs typeface="Times New Roman" panose="02020603050405020304" pitchFamily="18" charset="0"/>
-                        </a:rPr>
-                        <a:t>20/Mar/2024</a:t>
-                      </a:r>
-                      <a:endParaRPr lang="en-US" sz="2000" dirty="0">
-                        <a:effectLst/>
-                        <a:latin typeface="Times New Roman" panose="02020603050405020304" pitchFamily="18" charset="0"/>
-                        <a:ea typeface="Calibri" panose="020F0502020204030204" pitchFamily="34" charset="0"/>
-                        <a:cs typeface="Times New Roman" panose="02020603050405020304" pitchFamily="18" charset="0"/>
-                      </a:endParaRPr>
-                    </a:p>
-                  </a:txBody>
-                  <a:tcPr marL="63500" marR="63500" marT="63500" marB="63500"/>
-                </a:tc>
-                <a:extLst>
-                  <a:ext uri="{0D108BD9-81ED-4DB2-BD59-A6C34878D82A}">
-                    <a16:rowId xmlns:a16="http://schemas.microsoft.com/office/drawing/2014/main" val="2221752139"/>
-                  </a:ext>
-                </a:extLst>
-              </a:tr>
-              <a:tr h="508947">
-                <a:tc>
-                  <a:txBody>
-                    <a:bodyPr/>
-                    <a:lstStyle/>
-                    <a:p>
-                      <a:pPr marL="0" marR="0">
-                        <a:lnSpc>
-                          <a:spcPct val="107000"/>
-                        </a:lnSpc>
-                        <a:spcBef>
-                          <a:spcPts val="0"/>
-                        </a:spcBef>
-                        <a:spcAft>
-                          <a:spcPts val="0"/>
-                        </a:spcAft>
-                      </a:pPr>
-                      <a:r>
-                        <a:rPr lang="en-US" sz="2000">
-                          <a:effectLst/>
-                          <a:latin typeface="Times New Roman" panose="02020603050405020304" pitchFamily="18" charset="0"/>
-                          <a:cs typeface="Times New Roman" panose="02020603050405020304" pitchFamily="18" charset="0"/>
-                        </a:rPr>
-                        <a:t>Deployment</a:t>
-                      </a:r>
-                      <a:endParaRPr lang="en-US" sz="2000">
-                        <a:effectLst/>
-                        <a:latin typeface="Times New Roman" panose="02020603050405020304" pitchFamily="18" charset="0"/>
-                        <a:ea typeface="Calibri" panose="020F0502020204030204" pitchFamily="34" charset="0"/>
-                        <a:cs typeface="Times New Roman" panose="02020603050405020304" pitchFamily="18" charset="0"/>
-                      </a:endParaRPr>
-                    </a:p>
-                  </a:txBody>
-                  <a:tcPr marL="63500" marR="63500" marT="63500" marB="63500"/>
-                </a:tc>
-                <a:tc>
-                  <a:txBody>
-                    <a:bodyPr/>
-                    <a:lstStyle/>
-                    <a:p>
-                      <a:pPr marL="0" marR="0">
-                        <a:lnSpc>
-                          <a:spcPct val="107000"/>
-                        </a:lnSpc>
-                        <a:spcBef>
-                          <a:spcPts val="0"/>
-                        </a:spcBef>
-                        <a:spcAft>
-                          <a:spcPts val="0"/>
-                        </a:spcAft>
-                      </a:pPr>
-                      <a:r>
-                        <a:rPr lang="en-US" sz="2000">
-                          <a:effectLst/>
-                          <a:latin typeface="Times New Roman" panose="02020603050405020304" pitchFamily="18" charset="0"/>
-                          <a:cs typeface="Times New Roman" panose="02020603050405020304" pitchFamily="18" charset="0"/>
-                        </a:rPr>
-                        <a:t>21/Mar/2024</a:t>
-                      </a:r>
-                      <a:endParaRPr lang="en-US" sz="2000">
-                        <a:effectLst/>
-                        <a:latin typeface="Times New Roman" panose="02020603050405020304" pitchFamily="18" charset="0"/>
-                        <a:ea typeface="Calibri" panose="020F0502020204030204" pitchFamily="34" charset="0"/>
-                        <a:cs typeface="Times New Roman" panose="02020603050405020304" pitchFamily="18" charset="0"/>
-                      </a:endParaRPr>
-                    </a:p>
-                  </a:txBody>
-                  <a:tcPr marL="63500" marR="63500" marT="63500" marB="63500"/>
-                </a:tc>
-                <a:tc>
-                  <a:txBody>
-                    <a:bodyPr/>
-                    <a:lstStyle/>
-                    <a:p>
-                      <a:pPr marL="0" marR="0">
-                        <a:lnSpc>
-                          <a:spcPct val="107000"/>
-                        </a:lnSpc>
-                        <a:spcBef>
-                          <a:spcPts val="0"/>
-                        </a:spcBef>
-                        <a:spcAft>
-                          <a:spcPts val="0"/>
-                        </a:spcAft>
-                      </a:pPr>
-                      <a:r>
-                        <a:rPr lang="en-US" sz="2000" dirty="0">
-                          <a:effectLst/>
-                          <a:latin typeface="Times New Roman" panose="02020603050405020304" pitchFamily="18" charset="0"/>
-                          <a:cs typeface="Times New Roman" panose="02020603050405020304" pitchFamily="18" charset="0"/>
-                        </a:rPr>
-                        <a:t>23/Mar/2024</a:t>
-                      </a:r>
-                      <a:endParaRPr lang="en-US" sz="2000" dirty="0">
-                        <a:effectLst/>
-                        <a:latin typeface="Times New Roman" panose="02020603050405020304" pitchFamily="18" charset="0"/>
-                        <a:ea typeface="Calibri" panose="020F0502020204030204" pitchFamily="34" charset="0"/>
-                        <a:cs typeface="Times New Roman" panose="02020603050405020304" pitchFamily="18" charset="0"/>
-                      </a:endParaRPr>
-                    </a:p>
-                  </a:txBody>
-                  <a:tcPr marL="63500" marR="63500" marT="63500" marB="63500"/>
-                </a:tc>
-                <a:extLst>
-                  <a:ext uri="{0D108BD9-81ED-4DB2-BD59-A6C34878D82A}">
-                    <a16:rowId xmlns:a16="http://schemas.microsoft.com/office/drawing/2014/main" val="626758904"/>
-                  </a:ext>
-                </a:extLst>
-              </a:tr>
-              <a:tr h="508947">
-                <a:tc>
-                  <a:txBody>
-                    <a:bodyPr/>
-                    <a:lstStyle/>
-                    <a:p>
-                      <a:pPr marL="0" marR="0">
-                        <a:lnSpc>
-                          <a:spcPct val="107000"/>
-                        </a:lnSpc>
-                        <a:spcBef>
-                          <a:spcPts val="0"/>
-                        </a:spcBef>
-                        <a:spcAft>
-                          <a:spcPts val="0"/>
-                        </a:spcAft>
-                      </a:pPr>
-                      <a:r>
-                        <a:rPr lang="en-US" sz="2000">
-                          <a:effectLst/>
-                          <a:latin typeface="Times New Roman" panose="02020603050405020304" pitchFamily="18" charset="0"/>
-                          <a:cs typeface="Times New Roman" panose="02020603050405020304" pitchFamily="18" charset="0"/>
-                        </a:rPr>
-                        <a:t>Maintenance</a:t>
-                      </a:r>
-                      <a:endParaRPr lang="en-US" sz="2000">
-                        <a:effectLst/>
-                        <a:latin typeface="Times New Roman" panose="02020603050405020304" pitchFamily="18" charset="0"/>
-                        <a:ea typeface="Calibri" panose="020F0502020204030204" pitchFamily="34" charset="0"/>
-                        <a:cs typeface="Times New Roman" panose="02020603050405020304" pitchFamily="18" charset="0"/>
-                      </a:endParaRPr>
-                    </a:p>
-                  </a:txBody>
-                  <a:tcPr marL="63500" marR="63500" marT="63500" marB="63500"/>
-                </a:tc>
-                <a:tc>
-                  <a:txBody>
-                    <a:bodyPr/>
-                    <a:lstStyle/>
-                    <a:p>
-                      <a:pPr marL="0" marR="0">
-                        <a:lnSpc>
-                          <a:spcPct val="107000"/>
-                        </a:lnSpc>
-                        <a:spcBef>
-                          <a:spcPts val="0"/>
-                        </a:spcBef>
-                        <a:spcAft>
-                          <a:spcPts val="0"/>
-                        </a:spcAft>
-                      </a:pPr>
-                      <a:r>
-                        <a:rPr lang="en-US" sz="2000">
-                          <a:effectLst/>
-                          <a:latin typeface="Times New Roman" panose="02020603050405020304" pitchFamily="18" charset="0"/>
-                          <a:cs typeface="Times New Roman" panose="02020603050405020304" pitchFamily="18" charset="0"/>
-                        </a:rPr>
-                        <a:t>24/Mar/2024</a:t>
-                      </a:r>
-                      <a:endParaRPr lang="en-US" sz="2000">
-                        <a:effectLst/>
-                        <a:latin typeface="Times New Roman" panose="02020603050405020304" pitchFamily="18" charset="0"/>
-                        <a:ea typeface="Calibri" panose="020F0502020204030204" pitchFamily="34" charset="0"/>
-                        <a:cs typeface="Times New Roman" panose="02020603050405020304" pitchFamily="18" charset="0"/>
-                      </a:endParaRPr>
-                    </a:p>
-                  </a:txBody>
-                  <a:tcPr marL="63500" marR="63500" marT="63500" marB="63500"/>
-                </a:tc>
-                <a:tc>
-                  <a:txBody>
-                    <a:bodyPr/>
-                    <a:lstStyle/>
-                    <a:p>
-                      <a:pPr marL="0" marR="0">
-                        <a:lnSpc>
-                          <a:spcPct val="107000"/>
-                        </a:lnSpc>
-                        <a:spcBef>
-                          <a:spcPts val="0"/>
-                        </a:spcBef>
-                        <a:spcAft>
-                          <a:spcPts val="0"/>
-                        </a:spcAft>
-                      </a:pPr>
-                      <a:r>
-                        <a:rPr lang="en-US" sz="2000" dirty="0">
-                          <a:effectLst/>
-                          <a:latin typeface="Times New Roman" panose="02020603050405020304" pitchFamily="18" charset="0"/>
-                          <a:cs typeface="Times New Roman" panose="02020603050405020304" pitchFamily="18" charset="0"/>
-                        </a:rPr>
-                        <a:t>Till the system works</a:t>
-                      </a:r>
-                      <a:endParaRPr lang="en-US" sz="2000" dirty="0">
-                        <a:effectLst/>
-                        <a:latin typeface="Times New Roman" panose="02020603050405020304" pitchFamily="18" charset="0"/>
-                        <a:ea typeface="Calibri" panose="020F0502020204030204" pitchFamily="34" charset="0"/>
-                        <a:cs typeface="Times New Roman" panose="02020603050405020304" pitchFamily="18" charset="0"/>
-                      </a:endParaRPr>
-                    </a:p>
-                  </a:txBody>
-                  <a:tcPr marL="63500" marR="63500" marT="63500" marB="63500"/>
-                </a:tc>
-                <a:extLst>
-                  <a:ext uri="{0D108BD9-81ED-4DB2-BD59-A6C34878D82A}">
-                    <a16:rowId xmlns:a16="http://schemas.microsoft.com/office/drawing/2014/main" val="24244912"/>
-                  </a:ext>
-                </a:extLst>
-              </a:tr>
-            </a:tbl>
-          </a:graphicData>
-        </a:graphic>
-      </p:graphicFrame>
       <p:sp>
         <p:nvSpPr>
           <p:cNvPr id="5" name="Rectangle 1"/>
@@ -5492,7 +4748,7 @@
               <a:tabLst/>
             </a:pPr>
             <a:r>
-              <a:rPr kumimoji="0" lang="en-US" altLang="en-US" sz="1600" b="1" i="0" u="none" strike="noStrike" cap="none" normalizeH="0" baseline="0" dirty="0" smtClean="0">
+              <a:rPr kumimoji="0" lang="en-US" altLang="en-US" sz="1600" b="1" i="0" u="none" strike="noStrike" cap="none" normalizeH="0" baseline="0" dirty="0">
                 <a:ln>
                   <a:noFill/>
                 </a:ln>
@@ -5507,7 +4763,7 @@
               <a:t> </a:t>
             </a:r>
             <a:br>
-              <a:rPr kumimoji="0" lang="en-US" altLang="en-US" sz="1600" b="1" i="0" u="none" strike="noStrike" cap="none" normalizeH="0" baseline="0" dirty="0" smtClean="0">
+              <a:rPr kumimoji="0" lang="en-US" altLang="en-US" sz="1600" b="1" i="0" u="none" strike="noStrike" cap="none" normalizeH="0" baseline="0" dirty="0">
                 <a:ln>
                   <a:noFill/>
                 </a:ln>
@@ -5520,7 +4776,7 @@
                 <a:cs typeface="Times New Roman" panose="02020603050405020304" pitchFamily="18" charset="0"/>
               </a:rPr>
             </a:br>
-            <a:endParaRPr kumimoji="0" lang="en-US" altLang="en-US" sz="1600" b="1" i="0" u="none" strike="noStrike" cap="none" normalizeH="0" baseline="0" dirty="0" smtClean="0">
+            <a:endParaRPr kumimoji="0" lang="en-US" altLang="en-US" sz="1600" b="1" i="0" u="none" strike="noStrike" cap="none" normalizeH="0" baseline="0" dirty="0">
               <a:ln>
                 <a:noFill/>
               </a:ln>
@@ -5550,7 +4806,7 @@
               <a:buNone/>
               <a:tabLst/>
             </a:pPr>
-            <a:endParaRPr kumimoji="0" lang="en-US" altLang="en-US" sz="1800" b="0" i="0" u="none" strike="noStrike" cap="none" normalizeH="0" baseline="0" dirty="0" smtClean="0">
+            <a:endParaRPr kumimoji="0" lang="en-US" altLang="en-US" sz="1800" b="0" i="0" u="none" strike="noStrike" cap="none" normalizeH="0" baseline="0" dirty="0">
               <a:ln>
                 <a:noFill/>
               </a:ln>
@@ -5564,6 +4820,34 @@
           </a:p>
         </p:txBody>
       </p:sp>
+      <p:pic>
+        <p:nvPicPr>
+          <p:cNvPr id="7" name="Picture 6">
+            <a:extLst>
+              <a:ext uri="{FF2B5EF4-FFF2-40B4-BE49-F238E27FC236}">
+                <a16:creationId xmlns:a16="http://schemas.microsoft.com/office/drawing/2014/main" id="{4BB336D1-9A13-439B-80BF-3DB10213A94D}"/>
+              </a:ext>
+            </a:extLst>
+          </p:cNvPr>
+          <p:cNvPicPr/>
+          <p:nvPr/>
+        </p:nvPicPr>
+        <p:blipFill>
+          <a:blip r:embed="rId2"/>
+          <a:stretch>
+            <a:fillRect/>
+          </a:stretch>
+        </p:blipFill>
+        <p:spPr>
+          <a:xfrm>
+            <a:off x="1205223" y="1548063"/>
+            <a:ext cx="9751074" cy="4307306"/>
+          </a:xfrm>
+          <a:prstGeom prst="rect">
+            <a:avLst/>
+          </a:prstGeom>
+        </p:spPr>
+      </p:pic>
     </p:spTree>
     <p:extLst>
       <p:ext uri="{BB962C8B-B14F-4D97-AF65-F5344CB8AC3E}">
@@ -5940,7 +5224,7 @@
               </a:tabLst>
             </a:pPr>
             <a:r>
-              <a:rPr kumimoji="0" lang="en-GB" altLang="en-US" sz="1800" b="0" i="0" u="none" strike="noStrike" cap="none" normalizeH="0" baseline="0" dirty="0" smtClean="0">
+              <a:rPr kumimoji="0" lang="en-GB" altLang="en-US" sz="1800" b="0" i="0" u="none" strike="noStrike" cap="none" normalizeH="0" baseline="0" dirty="0">
                 <a:ln>
                   <a:noFill/>
                 </a:ln>
@@ -5955,14 +5239,14 @@
               <a:t>Chapter 1: Introduction</a:t>
             </a:r>
             <a:r>
-              <a:rPr lang="en-GB" altLang="en-US" sz="1800" dirty="0" smtClean="0">
+              <a:rPr lang="en-GB" altLang="en-US" sz="1800" dirty="0">
                 <a:latin typeface="Times New Roman" panose="02020603050405020304" pitchFamily="18" charset="0"/>
                 <a:ea typeface="Calibri" panose="020F0502020204030204" pitchFamily="34" charset="0"/>
                 <a:cs typeface="Times New Roman" panose="02020603050405020304" pitchFamily="18" charset="0"/>
               </a:rPr>
               <a:t> </a:t>
             </a:r>
-            <a:endParaRPr kumimoji="0" lang="en-US" altLang="en-US" sz="1100" b="0" i="0" u="none" strike="noStrike" cap="none" normalizeH="0" baseline="0" dirty="0" smtClean="0">
+            <a:endParaRPr kumimoji="0" lang="en-US" altLang="en-US" sz="1100" b="0" i="0" u="none" strike="noStrike" cap="none" normalizeH="0" baseline="0" dirty="0">
               <a:ln>
                 <a:noFill/>
               </a:ln>
@@ -5994,7 +5278,7 @@
               </a:tabLst>
             </a:pPr>
             <a:r>
-              <a:rPr kumimoji="0" lang="en-GB" altLang="en-US" sz="1800" b="0" i="0" u="none" strike="noStrike" cap="none" normalizeH="0" baseline="0" dirty="0" smtClean="0">
+              <a:rPr kumimoji="0" lang="en-GB" altLang="en-US" sz="1800" b="0" i="0" u="none" strike="noStrike" cap="none" normalizeH="0" baseline="0" dirty="0">
                 <a:ln>
                   <a:noFill/>
                 </a:ln>
@@ -6008,7 +5292,7 @@
               </a:rPr>
               <a:t>Chapter 2: Problem Statement :</a:t>
             </a:r>
-            <a:endParaRPr kumimoji="0" lang="en-US" altLang="en-US" sz="1100" b="0" i="0" u="none" strike="noStrike" cap="none" normalizeH="0" baseline="0" dirty="0" smtClean="0">
+            <a:endParaRPr kumimoji="0" lang="en-US" altLang="en-US" sz="1100" b="0" i="0" u="none" strike="noStrike" cap="none" normalizeH="0" baseline="0" dirty="0">
               <a:ln>
                 <a:noFill/>
               </a:ln>
@@ -6040,7 +5324,7 @@
               </a:tabLst>
             </a:pPr>
             <a:r>
-              <a:rPr kumimoji="0" lang="en-GB" altLang="en-US" sz="1800" b="0" i="0" u="none" strike="noStrike" cap="none" normalizeH="0" baseline="0" dirty="0" smtClean="0">
+              <a:rPr kumimoji="0" lang="en-GB" altLang="en-US" sz="1800" b="0" i="0" u="none" strike="noStrike" cap="none" normalizeH="0" baseline="0" dirty="0">
                 <a:ln>
                   <a:noFill/>
                 </a:ln>
@@ -6054,7 +5338,7 @@
               </a:rPr>
               <a:t>Chapter 3: Objective :</a:t>
             </a:r>
-            <a:endParaRPr kumimoji="0" lang="en-US" altLang="en-US" sz="1100" b="0" i="0" u="none" strike="noStrike" cap="none" normalizeH="0" baseline="0" dirty="0" smtClean="0">
+            <a:endParaRPr kumimoji="0" lang="en-US" altLang="en-US" sz="1100" b="0" i="0" u="none" strike="noStrike" cap="none" normalizeH="0" baseline="0" dirty="0">
               <a:ln>
                 <a:noFill/>
               </a:ln>
@@ -6086,7 +5370,7 @@
               </a:tabLst>
             </a:pPr>
             <a:r>
-              <a:rPr kumimoji="0" lang="en-GB" altLang="en-US" sz="1800" b="0" i="0" u="none" strike="noStrike" cap="none" normalizeH="0" baseline="0" dirty="0" smtClean="0">
+              <a:rPr kumimoji="0" lang="en-GB" altLang="en-US" sz="1800" b="0" i="0" u="none" strike="noStrike" cap="none" normalizeH="0" baseline="0" dirty="0">
                 <a:ln>
                   <a:noFill/>
                 </a:ln>
@@ -6100,7 +5384,7 @@
               </a:rPr>
               <a:t>Chapter 4: Features of the proposed system :</a:t>
             </a:r>
-            <a:endParaRPr kumimoji="0" lang="en-US" altLang="en-US" sz="1100" b="0" i="0" u="none" strike="noStrike" cap="none" normalizeH="0" baseline="0" dirty="0" smtClean="0">
+            <a:endParaRPr kumimoji="0" lang="en-US" altLang="en-US" sz="1100" b="0" i="0" u="none" strike="noStrike" cap="none" normalizeH="0" baseline="0" dirty="0">
               <a:ln>
                 <a:noFill/>
               </a:ln>
@@ -6132,7 +5416,7 @@
               </a:tabLst>
             </a:pPr>
             <a:r>
-              <a:rPr kumimoji="0" lang="en-GB" altLang="en-US" sz="1800" b="0" i="0" u="none" strike="noStrike" cap="none" normalizeH="0" baseline="0" dirty="0" smtClean="0">
+              <a:rPr kumimoji="0" lang="en-GB" altLang="en-US" sz="1800" b="0" i="0" u="none" strike="noStrike" cap="none" normalizeH="0" baseline="0" dirty="0">
                 <a:ln>
                   <a:noFill/>
                 </a:ln>
@@ -6146,7 +5430,7 @@
               </a:rPr>
               <a:t>Chapter 5: Methodology</a:t>
             </a:r>
-            <a:endParaRPr kumimoji="0" lang="en-US" altLang="en-US" sz="1100" b="0" i="0" u="none" strike="noStrike" cap="none" normalizeH="0" baseline="0" dirty="0" smtClean="0">
+            <a:endParaRPr kumimoji="0" lang="en-US" altLang="en-US" sz="1100" b="0" i="0" u="none" strike="noStrike" cap="none" normalizeH="0" baseline="0" dirty="0">
               <a:ln>
                 <a:noFill/>
               </a:ln>
@@ -6178,7 +5462,7 @@
               </a:tabLst>
             </a:pPr>
             <a:r>
-              <a:rPr kumimoji="0" lang="en-GB" altLang="en-US" sz="1800" b="0" i="0" u="none" strike="noStrike" cap="none" normalizeH="0" baseline="0" dirty="0" smtClean="0">
+              <a:rPr kumimoji="0" lang="en-GB" altLang="en-US" sz="1800" b="0" i="0" u="none" strike="noStrike" cap="none" normalizeH="0" baseline="0" dirty="0">
                 <a:ln>
                   <a:noFill/>
                 </a:ln>
@@ -6192,7 +5476,7 @@
               </a:rPr>
               <a:t>5.1 Requirement analysis</a:t>
             </a:r>
-            <a:endParaRPr kumimoji="0" lang="en-US" altLang="en-US" sz="1100" b="0" i="0" u="none" strike="noStrike" cap="none" normalizeH="0" baseline="0" dirty="0" smtClean="0">
+            <a:endParaRPr kumimoji="0" lang="en-US" altLang="en-US" sz="1100" b="0" i="0" u="none" strike="noStrike" cap="none" normalizeH="0" baseline="0" dirty="0">
               <a:ln>
                 <a:noFill/>
               </a:ln>
@@ -6224,7 +5508,7 @@
               </a:tabLst>
             </a:pPr>
             <a:r>
-              <a:rPr kumimoji="0" lang="en-GB" altLang="en-US" sz="1800" b="0" i="0" u="none" strike="noStrike" cap="none" normalizeH="0" baseline="0" dirty="0" smtClean="0">
+              <a:rPr kumimoji="0" lang="en-GB" altLang="en-US" sz="1800" b="0" i="0" u="none" strike="noStrike" cap="none" normalizeH="0" baseline="0" dirty="0">
                 <a:ln>
                   <a:noFill/>
                 </a:ln>
@@ -6236,24 +5520,9 @@
                 <a:ea typeface="Calibri" panose="020F0502020204030204" pitchFamily="34" charset="0"/>
                 <a:cs typeface="Times New Roman" panose="02020603050405020304" pitchFamily="18" charset="0"/>
               </a:rPr>
-              <a:t>5.1.1 </a:t>
-            </a:r>
-            <a:r>
-              <a:rPr kumimoji="0" lang="en-GB" altLang="en-US" sz="1800" b="0" i="0" u="none" strike="noStrike" cap="none" normalizeH="0" baseline="0" dirty="0" smtClean="0">
-                <a:ln>
-                  <a:noFill/>
-                </a:ln>
-                <a:solidFill>
-                  <a:schemeClr val="tx1"/>
-                </a:solidFill>
-                <a:effectLst/>
-                <a:latin typeface="Times New Roman" panose="02020603050405020304" pitchFamily="18" charset="0"/>
-                <a:ea typeface="Calibri" panose="020F0502020204030204" pitchFamily="34" charset="0"/>
-                <a:cs typeface="Times New Roman" panose="02020603050405020304" pitchFamily="18" charset="0"/>
-              </a:rPr>
-              <a:t>Interviewing the clients</a:t>
-            </a:r>
-            <a:endParaRPr kumimoji="0" lang="en-US" altLang="en-US" sz="1100" b="0" i="0" u="none" strike="noStrike" cap="none" normalizeH="0" baseline="0" dirty="0" smtClean="0">
+              <a:t>5.1.1 Interviewing the clients</a:t>
+            </a:r>
+            <a:endParaRPr kumimoji="0" lang="en-US" altLang="en-US" sz="1100" b="0" i="0" u="none" strike="noStrike" cap="none" normalizeH="0" baseline="0" dirty="0">
               <a:ln>
                 <a:noFill/>
               </a:ln>
@@ -6285,7 +5554,7 @@
               </a:tabLst>
             </a:pPr>
             <a:r>
-              <a:rPr kumimoji="0" lang="en-GB" altLang="en-US" sz="1800" b="0" i="0" u="none" strike="noStrike" cap="none" normalizeH="0" baseline="0" dirty="0" smtClean="0">
+              <a:rPr kumimoji="0" lang="en-GB" altLang="en-US" sz="1800" b="0" i="0" u="none" strike="noStrike" cap="none" normalizeH="0" baseline="0" dirty="0">
                 <a:ln>
                   <a:noFill/>
                 </a:ln>
@@ -6299,7 +5568,7 @@
               </a:rPr>
               <a:t>5.1.2 Study of existing system</a:t>
             </a:r>
-            <a:endParaRPr kumimoji="0" lang="en-US" altLang="en-US" sz="1100" b="0" i="0" u="none" strike="noStrike" cap="none" normalizeH="0" baseline="0" dirty="0" smtClean="0">
+            <a:endParaRPr kumimoji="0" lang="en-US" altLang="en-US" sz="1100" b="0" i="0" u="none" strike="noStrike" cap="none" normalizeH="0" baseline="0" dirty="0">
               <a:ln>
                 <a:noFill/>
               </a:ln>
@@ -6331,7 +5600,7 @@
               </a:tabLst>
             </a:pPr>
             <a:r>
-              <a:rPr kumimoji="0" lang="en-GB" altLang="en-US" sz="1800" b="0" i="0" u="none" strike="noStrike" cap="none" normalizeH="0" baseline="0" dirty="0" smtClean="0">
+              <a:rPr kumimoji="0" lang="en-GB" altLang="en-US" sz="1800" b="0" i="0" u="none" strike="noStrike" cap="none" normalizeH="0" baseline="0" dirty="0">
                 <a:ln>
                   <a:noFill/>
                 </a:ln>
@@ -6345,7 +5614,7 @@
               </a:rPr>
               <a:t>5.2 feasibility study</a:t>
             </a:r>
-            <a:endParaRPr kumimoji="0" lang="en-US" altLang="en-US" sz="1100" b="0" i="0" u="none" strike="noStrike" cap="none" normalizeH="0" baseline="0" dirty="0" smtClean="0">
+            <a:endParaRPr kumimoji="0" lang="en-US" altLang="en-US" sz="1100" b="0" i="0" u="none" strike="noStrike" cap="none" normalizeH="0" baseline="0" dirty="0">
               <a:ln>
                 <a:noFill/>
               </a:ln>
@@ -6377,7 +5646,7 @@
               </a:tabLst>
             </a:pPr>
             <a:r>
-              <a:rPr kumimoji="0" lang="en-GB" altLang="en-US" sz="1800" b="0" i="0" u="none" strike="noStrike" cap="none" normalizeH="0" baseline="0" dirty="0" smtClean="0">
+              <a:rPr kumimoji="0" lang="en-GB" altLang="en-US" sz="1800" b="0" i="0" u="none" strike="noStrike" cap="none" normalizeH="0" baseline="0" dirty="0">
                 <a:ln>
                   <a:noFill/>
                 </a:ln>
@@ -6391,7 +5660,7 @@
               </a:rPr>
               <a:t>5.2.1 Technical feasibility</a:t>
             </a:r>
-            <a:endParaRPr kumimoji="0" lang="en-US" altLang="en-US" sz="1100" b="0" i="0" u="none" strike="noStrike" cap="none" normalizeH="0" baseline="0" dirty="0" smtClean="0">
+            <a:endParaRPr kumimoji="0" lang="en-US" altLang="en-US" sz="1100" b="0" i="0" u="none" strike="noStrike" cap="none" normalizeH="0" baseline="0" dirty="0">
               <a:ln>
                 <a:noFill/>
               </a:ln>
@@ -6423,7 +5692,7 @@
               </a:tabLst>
             </a:pPr>
             <a:r>
-              <a:rPr kumimoji="0" lang="en-GB" altLang="en-US" sz="1800" b="0" i="0" u="none" strike="noStrike" cap="none" normalizeH="0" baseline="0" dirty="0" smtClean="0">
+              <a:rPr kumimoji="0" lang="en-GB" altLang="en-US" sz="1800" b="0" i="0" u="none" strike="noStrike" cap="none" normalizeH="0" baseline="0" dirty="0">
                 <a:ln>
                   <a:noFill/>
                 </a:ln>
@@ -6437,7 +5706,7 @@
               </a:rPr>
               <a:t>5.2.2 Operational feasibility</a:t>
             </a:r>
-            <a:endParaRPr kumimoji="0" lang="en-US" altLang="en-US" sz="1100" b="0" i="0" u="none" strike="noStrike" cap="none" normalizeH="0" baseline="0" dirty="0" smtClean="0">
+            <a:endParaRPr kumimoji="0" lang="en-US" altLang="en-US" sz="1100" b="0" i="0" u="none" strike="noStrike" cap="none" normalizeH="0" baseline="0" dirty="0">
               <a:ln>
                 <a:noFill/>
               </a:ln>
@@ -6469,7 +5738,7 @@
               </a:tabLst>
             </a:pPr>
             <a:r>
-              <a:rPr kumimoji="0" lang="en-GB" altLang="en-US" sz="1800" b="0" i="0" u="none" strike="noStrike" cap="none" normalizeH="0" baseline="0" dirty="0" smtClean="0">
+              <a:rPr kumimoji="0" lang="en-GB" altLang="en-US" sz="1800" b="0" i="0" u="none" strike="noStrike" cap="none" normalizeH="0" baseline="0" dirty="0">
                 <a:ln>
                   <a:noFill/>
                 </a:ln>
@@ -6483,7 +5752,7 @@
               </a:rPr>
               <a:t>5.2.3 Economical feasibility</a:t>
             </a:r>
-            <a:endParaRPr kumimoji="0" lang="en-US" altLang="en-US" sz="1100" b="0" i="0" u="none" strike="noStrike" cap="none" normalizeH="0" baseline="0" dirty="0" smtClean="0">
+            <a:endParaRPr kumimoji="0" lang="en-US" altLang="en-US" sz="1100" b="0" i="0" u="none" strike="noStrike" cap="none" normalizeH="0" baseline="0" dirty="0">
               <a:ln>
                 <a:noFill/>
               </a:ln>
@@ -6515,7 +5784,7 @@
               </a:tabLst>
             </a:pPr>
             <a:r>
-              <a:rPr kumimoji="0" lang="en-GB" altLang="en-US" sz="1800" b="0" i="0" u="none" strike="noStrike" cap="none" normalizeH="0" baseline="0" dirty="0" smtClean="0">
+              <a:rPr kumimoji="0" lang="en-GB" altLang="en-US" sz="1800" b="0" i="0" u="none" strike="noStrike" cap="none" normalizeH="0" baseline="0" dirty="0">
                 <a:ln>
                   <a:noFill/>
                 </a:ln>
@@ -6529,7 +5798,7 @@
               </a:rPr>
               <a:t>5.3 Methodology used</a:t>
             </a:r>
-            <a:endParaRPr kumimoji="0" lang="en-US" altLang="en-US" sz="1100" b="0" i="0" u="none" strike="noStrike" cap="none" normalizeH="0" baseline="0" dirty="0" smtClean="0">
+            <a:endParaRPr kumimoji="0" lang="en-US" altLang="en-US" sz="1100" b="0" i="0" u="none" strike="noStrike" cap="none" normalizeH="0" baseline="0" dirty="0">
               <a:ln>
                 <a:noFill/>
               </a:ln>
@@ -6561,7 +5830,7 @@
               </a:tabLst>
             </a:pPr>
             <a:r>
-              <a:rPr kumimoji="0" lang="en-GB" altLang="en-US" sz="1800" b="0" i="0" u="none" strike="noStrike" cap="none" normalizeH="0" baseline="0" dirty="0" smtClean="0">
+              <a:rPr kumimoji="0" lang="en-GB" altLang="en-US" sz="1800" b="0" i="0" u="none" strike="noStrike" cap="none" normalizeH="0" baseline="0" dirty="0">
                 <a:ln>
                   <a:noFill/>
                 </a:ln>
@@ -6575,7 +5844,7 @@
               </a:rPr>
               <a:t>5.4 Use case Diagram</a:t>
             </a:r>
-            <a:endParaRPr kumimoji="0" lang="en-US" altLang="en-US" sz="1100" b="0" i="0" u="none" strike="noStrike" cap="none" normalizeH="0" baseline="0" dirty="0" smtClean="0">
+            <a:endParaRPr kumimoji="0" lang="en-US" altLang="en-US" sz="1100" b="0" i="0" u="none" strike="noStrike" cap="none" normalizeH="0" baseline="0" dirty="0">
               <a:ln>
                 <a:noFill/>
               </a:ln>
@@ -6607,7 +5876,7 @@
               </a:tabLst>
             </a:pPr>
             <a:r>
-              <a:rPr kumimoji="0" lang="en-GB" altLang="en-US" sz="1800" b="0" i="0" u="none" strike="noStrike" cap="none" normalizeH="0" baseline="0" dirty="0" smtClean="0">
+              <a:rPr kumimoji="0" lang="en-GB" altLang="en-US" sz="1800" b="0" i="0" u="none" strike="noStrike" cap="none" normalizeH="0" baseline="0" dirty="0">
                 <a:ln>
                   <a:noFill/>
                 </a:ln>
@@ -6621,7 +5890,7 @@
               </a:rPr>
               <a:t>5.5 Entity Relation (ER) Diagram</a:t>
             </a:r>
-            <a:endParaRPr kumimoji="0" lang="en-US" altLang="en-US" sz="1100" b="0" i="0" u="none" strike="noStrike" cap="none" normalizeH="0" baseline="0" dirty="0" smtClean="0">
+            <a:endParaRPr kumimoji="0" lang="en-US" altLang="en-US" sz="1100" b="0" i="0" u="none" strike="noStrike" cap="none" normalizeH="0" baseline="0" dirty="0">
               <a:ln>
                 <a:noFill/>
               </a:ln>
@@ -6653,7 +5922,7 @@
               </a:tabLst>
             </a:pPr>
             <a:r>
-              <a:rPr kumimoji="0" lang="en-GB" altLang="en-US" sz="1800" b="0" i="0" u="none" strike="noStrike" cap="none" normalizeH="0" baseline="0" dirty="0" smtClean="0">
+              <a:rPr kumimoji="0" lang="en-GB" altLang="en-US" sz="1800" b="0" i="0" u="none" strike="noStrike" cap="none" normalizeH="0" baseline="0" dirty="0">
                 <a:ln>
                   <a:noFill/>
                 </a:ln>
@@ -6667,7 +5936,7 @@
               </a:rPr>
               <a:t>5.6 system flow chart</a:t>
             </a:r>
-            <a:endParaRPr kumimoji="0" lang="en-US" altLang="en-US" sz="1100" b="0" i="0" u="none" strike="noStrike" cap="none" normalizeH="0" baseline="0" dirty="0" smtClean="0">
+            <a:endParaRPr kumimoji="0" lang="en-US" altLang="en-US" sz="1100" b="0" i="0" u="none" strike="noStrike" cap="none" normalizeH="0" baseline="0" dirty="0">
               <a:ln>
                 <a:noFill/>
               </a:ln>
@@ -6699,7 +5968,7 @@
               </a:tabLst>
             </a:pPr>
             <a:r>
-              <a:rPr kumimoji="0" lang="en-GB" altLang="en-US" sz="1800" b="0" i="0" u="none" strike="noStrike" cap="none" normalizeH="0" baseline="0" dirty="0" smtClean="0">
+              <a:rPr kumimoji="0" lang="en-GB" altLang="en-US" sz="1800" b="0" i="0" u="none" strike="noStrike" cap="none" normalizeH="0" baseline="0" dirty="0">
                 <a:ln>
                   <a:noFill/>
                 </a:ln>
@@ -6713,7 +5982,7 @@
               </a:rPr>
               <a:t>5.7 Context Diagram (Level 0)</a:t>
             </a:r>
-            <a:endParaRPr kumimoji="0" lang="en-US" altLang="en-US" sz="1100" b="0" i="0" u="none" strike="noStrike" cap="none" normalizeH="0" baseline="0" dirty="0" smtClean="0">
+            <a:endParaRPr kumimoji="0" lang="en-US" altLang="en-US" sz="1100" b="0" i="0" u="none" strike="noStrike" cap="none" normalizeH="0" baseline="0" dirty="0">
               <a:ln>
                 <a:noFill/>
               </a:ln>
@@ -6745,7 +6014,7 @@
               </a:tabLst>
             </a:pPr>
             <a:r>
-              <a:rPr kumimoji="0" lang="en-GB" altLang="en-US" sz="1800" b="0" i="0" u="none" strike="noStrike" cap="none" normalizeH="0" baseline="0" dirty="0" smtClean="0">
+              <a:rPr kumimoji="0" lang="en-GB" altLang="en-US" sz="1800" b="0" i="0" u="none" strike="noStrike" cap="none" normalizeH="0" baseline="0" dirty="0">
                 <a:ln>
                   <a:noFill/>
                 </a:ln>
@@ -6759,7 +6028,7 @@
               </a:rPr>
               <a:t>6. Conclusion</a:t>
             </a:r>
-            <a:endParaRPr kumimoji="0" lang="en-US" altLang="en-US" sz="1100" b="0" i="0" u="none" strike="noStrike" cap="none" normalizeH="0" baseline="0" dirty="0" smtClean="0">
+            <a:endParaRPr kumimoji="0" lang="en-US" altLang="en-US" sz="1100" b="0" i="0" u="none" strike="noStrike" cap="none" normalizeH="0" baseline="0" dirty="0">
               <a:ln>
                 <a:noFill/>
               </a:ln>
@@ -6790,7 +6059,7 @@
                 <a:tab pos="5724525" algn="r"/>
               </a:tabLst>
             </a:pPr>
-            <a:endParaRPr kumimoji="0" lang="en-US" altLang="en-US" sz="3200" b="0" i="0" u="none" strike="noStrike" cap="none" normalizeH="0" baseline="0" dirty="0" smtClean="0">
+            <a:endParaRPr kumimoji="0" lang="en-US" altLang="en-US" sz="3200" b="0" i="0" u="none" strike="noStrike" cap="none" normalizeH="0" baseline="0" dirty="0">
               <a:ln>
                 <a:noFill/>
               </a:ln>
@@ -6814,13 +6083,6 @@
   <p:clrMapOvr>
     <a:masterClrMapping/>
   </p:clrMapOvr>
-  <p:timing>
-    <p:tnLst>
-      <p:par>
-        <p:cTn id="1" dur="indefinite" restart="never" nodeType="tmRoot"/>
-      </p:par>
-    </p:tnLst>
-  </p:timing>
 </p:sld>
 </file>
 
@@ -7017,13 +6279,6 @@
             </a:endParaRPr>
           </a:p>
           <a:p>
-            <a:r>
-              <a:rPr lang="en-GB" dirty="0">
-                <a:latin typeface="Times New Roman" panose="02020603050405020304" pitchFamily="18" charset="0"/>
-                <a:cs typeface="Times New Roman" panose="02020603050405020304" pitchFamily="18" charset="0"/>
-              </a:rPr>
-              <a:t/>
-            </a:r>
             <a:br>
               <a:rPr lang="en-GB" dirty="0">
                 <a:latin typeface="Times New Roman" panose="02020603050405020304" pitchFamily="18" charset="0"/>
@@ -7094,13 +6349,6 @@
   <p:clrMapOvr>
     <a:masterClrMapping/>
   </p:clrMapOvr>
-  <p:timing>
-    <p:tnLst>
-      <p:par>
-        <p:cTn id="1" dur="indefinite" restart="never" nodeType="tmRoot"/>
-      </p:par>
-    </p:tnLst>
-  </p:timing>
 </p:sld>
 </file>
 
@@ -7275,13 +6523,6 @@
             </a:endParaRPr>
           </a:p>
           <a:p>
-            <a:r>
-              <a:rPr lang="en-GB" dirty="0">
-                <a:latin typeface="Times New Roman" panose="02020603050405020304" pitchFamily="18" charset="0"/>
-                <a:cs typeface="Times New Roman" panose="02020603050405020304" pitchFamily="18" charset="0"/>
-              </a:rPr>
-              <a:t/>
-            </a:r>
             <a:br>
               <a:rPr lang="en-GB" dirty="0">
                 <a:latin typeface="Times New Roman" panose="02020603050405020304" pitchFamily="18" charset="0"/>
@@ -7305,13 +6546,6 @@
   <p:clrMapOvr>
     <a:masterClrMapping/>
   </p:clrMapOvr>
-  <p:timing>
-    <p:tnLst>
-      <p:par>
-        <p:cTn id="1" dur="indefinite" restart="never" nodeType="tmRoot"/>
-      </p:par>
-    </p:tnLst>
-  </p:timing>
 </p:sld>
 </file>
 
@@ -7459,29 +6693,7 @@
                 <a:latin typeface="Times New Roman" panose="02020603050405020304" pitchFamily="18" charset="0"/>
                 <a:cs typeface="Times New Roman" panose="02020603050405020304" pitchFamily="18" charset="0"/>
               </a:rPr>
-              <a:t>To offer an intuitive user interface for </a:t>
-            </a:r>
-            <a:r>
-              <a:rPr lang="en-GB" sz="2000" b="0" i="0" u="none" strike="noStrike" dirty="0" smtClean="0">
-                <a:solidFill>
-                  <a:srgbClr val="000000"/>
-                </a:solidFill>
-                <a:effectLst/>
-                <a:latin typeface="Times New Roman" panose="02020603050405020304" pitchFamily="18" charset="0"/>
-                <a:cs typeface="Times New Roman" panose="02020603050405020304" pitchFamily="18" charset="0"/>
-              </a:rPr>
-              <a:t>accessing further </a:t>
-            </a:r>
-            <a:r>
-              <a:rPr lang="en-GB" sz="2000" b="0" i="0" u="none" strike="noStrike" dirty="0">
-                <a:solidFill>
-                  <a:srgbClr val="000000"/>
-                </a:solidFill>
-                <a:effectLst/>
-                <a:latin typeface="Times New Roman" panose="02020603050405020304" pitchFamily="18" charset="0"/>
-                <a:cs typeface="Times New Roman" panose="02020603050405020304" pitchFamily="18" charset="0"/>
-              </a:rPr>
-              <a:t>details about properties that  are advertised.</a:t>
+              <a:t>To offer an intuitive user interface for accessing further details about properties that  are advertised.</a:t>
             </a:r>
           </a:p>
           <a:p>
@@ -7504,29 +6716,7 @@
                 <a:latin typeface="Times New Roman" panose="02020603050405020304" pitchFamily="18" charset="0"/>
                 <a:cs typeface="Times New Roman" panose="02020603050405020304" pitchFamily="18" charset="0"/>
               </a:rPr>
-              <a:t>To shorten the time it takes to </a:t>
-            </a:r>
-            <a:r>
-              <a:rPr lang="en-GB" sz="2000" b="0" i="0" u="none" strike="noStrike" dirty="0" smtClean="0">
-                <a:solidFill>
-                  <a:srgbClr val="000000"/>
-                </a:solidFill>
-                <a:effectLst/>
-                <a:latin typeface="Times New Roman" panose="02020603050405020304" pitchFamily="18" charset="0"/>
-                <a:cs typeface="Times New Roman" panose="02020603050405020304" pitchFamily="18" charset="0"/>
-              </a:rPr>
-              <a:t>sell real </a:t>
-            </a:r>
-            <a:r>
-              <a:rPr lang="en-GB" sz="2000" b="0" i="0" u="none" strike="noStrike" dirty="0">
-                <a:solidFill>
-                  <a:srgbClr val="000000"/>
-                </a:solidFill>
-                <a:effectLst/>
-                <a:latin typeface="Times New Roman" panose="02020603050405020304" pitchFamily="18" charset="0"/>
-                <a:cs typeface="Times New Roman" panose="02020603050405020304" pitchFamily="18" charset="0"/>
-              </a:rPr>
-              <a:t>estate.</a:t>
+              <a:t>To shorten the time it takes to sell real estate.</a:t>
             </a:r>
           </a:p>
           <a:p>
@@ -7549,27 +6739,8 @@
                 <a:latin typeface="Times New Roman" panose="02020603050405020304" pitchFamily="18" charset="0"/>
                 <a:cs typeface="Times New Roman" panose="02020603050405020304" pitchFamily="18" charset="0"/>
               </a:rPr>
-              <a:t>To locate appropriate real estate based on client </a:t>
-            </a:r>
-            <a:r>
-              <a:rPr lang="en-GB" sz="2000" b="0" i="0" u="none" strike="noStrike" dirty="0" smtClean="0">
-                <a:solidFill>
-                  <a:srgbClr val="000000"/>
-                </a:solidFill>
-                <a:effectLst/>
-                <a:latin typeface="Times New Roman" panose="02020603050405020304" pitchFamily="18" charset="0"/>
-                <a:cs typeface="Times New Roman" panose="02020603050405020304" pitchFamily="18" charset="0"/>
-              </a:rPr>
-              <a:t>requirements.</a:t>
-            </a:r>
-            <a:endParaRPr lang="en-GB" sz="2000" b="0" i="0" u="none" strike="noStrike" dirty="0">
-              <a:solidFill>
-                <a:srgbClr val="000000"/>
-              </a:solidFill>
-              <a:effectLst/>
-              <a:latin typeface="Times New Roman" panose="02020603050405020304" pitchFamily="18" charset="0"/>
-              <a:cs typeface="Times New Roman" panose="02020603050405020304" pitchFamily="18" charset="0"/>
-            </a:endParaRPr>
+              <a:t>To locate appropriate real estate based on client requirements.</a:t>
+            </a:r>
           </a:p>
           <a:p>
             <a:endParaRPr lang="en-GB" dirty="0">
@@ -7589,13 +6760,6 @@
   <p:clrMapOvr>
     <a:masterClrMapping/>
   </p:clrMapOvr>
-  <p:timing>
-    <p:tnLst>
-      <p:par>
-        <p:cTn id="1" dur="indefinite" restart="never" nodeType="tmRoot"/>
-      </p:par>
-    </p:tnLst>
-  </p:timing>
 </p:sld>
 </file>
 
@@ -7821,18 +6985,7 @@
                 <a:latin typeface="Times New Roman" panose="02020603050405020304" pitchFamily="18" charset="0"/>
                 <a:cs typeface="Times New Roman" panose="02020603050405020304" pitchFamily="18" charset="0"/>
               </a:rPr>
-              <a:t>5. Get </a:t>
-            </a:r>
-            <a:r>
-              <a:rPr lang="en-GB" sz="1800" b="0" i="0" u="none" strike="noStrike" dirty="0" smtClean="0">
-                <a:solidFill>
-                  <a:srgbClr val="000000"/>
-                </a:solidFill>
-                <a:effectLst/>
-                <a:latin typeface="Times New Roman" panose="02020603050405020304" pitchFamily="18" charset="0"/>
-                <a:cs typeface="Times New Roman" panose="02020603050405020304" pitchFamily="18" charset="0"/>
-              </a:rPr>
-              <a:t>Property owners information.</a:t>
+              <a:t>5. Get Property owners information.</a:t>
             </a:r>
             <a:endParaRPr lang="en-GB" b="0" dirty="0">
               <a:effectLst/>
@@ -7898,13 +7051,6 @@
             <a:pPr marL="45720" indent="0">
               <a:buNone/>
             </a:pPr>
-            <a:r>
-              <a:rPr lang="en-GB" dirty="0">
-                <a:latin typeface="Times New Roman" panose="02020603050405020304" pitchFamily="18" charset="0"/>
-                <a:cs typeface="Times New Roman" panose="02020603050405020304" pitchFamily="18" charset="0"/>
-              </a:rPr>
-              <a:t/>
-            </a:r>
             <a:br>
               <a:rPr lang="en-GB" dirty="0">
                 <a:latin typeface="Times New Roman" panose="02020603050405020304" pitchFamily="18" charset="0"/>
@@ -7928,13 +7074,6 @@
   <p:clrMapOvr>
     <a:masterClrMapping/>
   </p:clrMapOvr>
-  <p:timing>
-    <p:tnLst>
-      <p:par>
-        <p:cTn id="1" dur="indefinite" restart="never" nodeType="tmRoot"/>
-      </p:par>
-    </p:tnLst>
-  </p:timing>
 </p:sld>
 </file>
 
@@ -7977,16 +7116,12 @@
           <a:lstStyle/>
           <a:p>
             <a:r>
-              <a:rPr lang="en-GB" dirty="0" smtClean="0">
+              <a:rPr lang="en-GB" dirty="0">
                 <a:latin typeface="Times New Roman" panose="02020603050405020304" pitchFamily="18" charset="0"/>
                 <a:cs typeface="Times New Roman" panose="02020603050405020304" pitchFamily="18" charset="0"/>
               </a:rPr>
               <a:t>REQUIREMENT GATHERING</a:t>
             </a:r>
-            <a:endParaRPr lang="en-GB" dirty="0">
-              <a:latin typeface="Times New Roman" panose="02020603050405020304" pitchFamily="18" charset="0"/>
-              <a:cs typeface="Times New Roman" panose="02020603050405020304" pitchFamily="18" charset="0"/>
-            </a:endParaRPr>
           </a:p>
         </p:txBody>
       </p:sp>
@@ -8014,13 +7149,6 @@
             <a:pPr marL="45720" indent="0">
               <a:buNone/>
             </a:pPr>
-            <a:r>
-              <a:rPr lang="en-GB" dirty="0">
-                <a:latin typeface="Times New Roman" panose="02020603050405020304" pitchFamily="18" charset="0"/>
-                <a:cs typeface="Times New Roman" panose="02020603050405020304" pitchFamily="18" charset="0"/>
-              </a:rPr>
-              <a:t/>
-            </a:r>
             <a:br>
               <a:rPr lang="en-GB" dirty="0">
                 <a:latin typeface="Times New Roman" panose="02020603050405020304" pitchFamily="18" charset="0"/>
@@ -8042,7 +7170,7 @@
         </p:nvSpPr>
         <p:spPr>
           <a:xfrm>
-            <a:off x="1838325" y="2800350"/>
+            <a:off x="1838325" y="2798711"/>
             <a:ext cx="6819900" cy="646331"/>
           </a:xfrm>
           <a:prstGeom prst="rect">
@@ -8057,7 +7185,7 @@
           <a:lstStyle/>
           <a:p>
             <a:r>
-              <a:rPr lang="en-US" smtClean="0"/>
+              <a:rPr lang="en-US"/>
               <a:t>Interview</a:t>
             </a:r>
           </a:p>
@@ -8076,13 +7204,6 @@
   <p:clrMapOvr>
     <a:masterClrMapping/>
   </p:clrMapOvr>
-  <p:timing>
-    <p:tnLst>
-      <p:par>
-        <p:cTn id="1" dur="indefinite" restart="never" nodeType="tmRoot"/>
-      </p:par>
-    </p:tnLst>
-  </p:timing>
 </p:sld>
 </file>
 
@@ -8188,29 +7309,7 @@
                 <a:latin typeface="Times New Roman" panose="02020603050405020304" pitchFamily="18" charset="0"/>
                 <a:cs typeface="Times New Roman" panose="02020603050405020304" pitchFamily="18" charset="0"/>
               </a:rPr>
-              <a:t>https://dalaydai.com</a:t>
-            </a:r>
-            <a:r>
-              <a:rPr lang="en-GB" sz="1800" b="0" i="0" u="sng" strike="noStrike" dirty="0" smtClean="0">
-                <a:solidFill>
-                  <a:srgbClr val="1155CC"/>
-                </a:solidFill>
-                <a:effectLst/>
-                <a:latin typeface="Times New Roman" panose="02020603050405020304" pitchFamily="18" charset="0"/>
-                <a:cs typeface="Times New Roman" panose="02020603050405020304" pitchFamily="18" charset="0"/>
-              </a:rPr>
-              <a:t>/</a:t>
-            </a:r>
-            <a:r>
-              <a:rPr lang="en-GB" sz="1800" b="0" i="0" u="none" strike="noStrike" dirty="0" smtClean="0">
-                <a:solidFill>
-                  <a:srgbClr val="000000"/>
-                </a:solidFill>
-                <a:effectLst/>
-                <a:latin typeface="Times New Roman" panose="02020603050405020304" pitchFamily="18" charset="0"/>
-                <a:cs typeface="Times New Roman" panose="02020603050405020304" pitchFamily="18" charset="0"/>
-              </a:rPr>
-              <a:t>”. Upon examining </a:t>
+              <a:t>https://dalaydai.com/</a:t>
             </a:r>
             <a:r>
               <a:rPr lang="en-GB" sz="1800" b="0" i="0" u="none" strike="noStrike" dirty="0">
@@ -8221,7 +7320,17 @@
                 <a:latin typeface="Times New Roman" panose="02020603050405020304" pitchFamily="18" charset="0"/>
                 <a:cs typeface="Times New Roman" panose="02020603050405020304" pitchFamily="18" charset="0"/>
               </a:rPr>
-              <a:t>this applications, we have discovered that some crucial elements are missing that are crucial for customers, such as requesting the necessary prerequisites before purchasing, selling, or renting real estate.</a:t>
+              <a:t>”. Upon examining this applications, we have discovered that some crucial elements are missing that are crucial for customers, such as </a:t>
+            </a:r>
+            <a:r>
+              <a:rPr lang="en-GB" sz="1800" dirty="0">
+                <a:solidFill>
+                  <a:srgbClr val="000000"/>
+                </a:solidFill>
+                <a:latin typeface="Times New Roman" panose="02020603050405020304" pitchFamily="18" charset="0"/>
+                <a:cs typeface="Times New Roman" panose="02020603050405020304" pitchFamily="18" charset="0"/>
+              </a:rPr>
+              <a:t>providing message related to the property that the customers are interested in buying.</a:t>
             </a:r>
             <a:endParaRPr lang="en-GB" b="0" dirty="0">
               <a:effectLst/>
@@ -8288,13 +7397,6 @@
   <p:clrMapOvr>
     <a:masterClrMapping/>
   </p:clrMapOvr>
-  <p:timing>
-    <p:tnLst>
-      <p:par>
-        <p:cTn id="1" dur="indefinite" restart="never" nodeType="tmRoot"/>
-      </p:par>
-    </p:tnLst>
-  </p:timing>
 </p:sld>
 </file>
 
@@ -8388,7 +7490,7 @@
         </p:nvGraphicFramePr>
         <p:xfrm>
           <a:off x="772165" y="1615445"/>
-          <a:ext cx="10708884" cy="4937760"/>
+          <a:ext cx="10708884" cy="4523172"/>
         </p:xfrm>
         <a:graphic>
           <a:graphicData uri="http://schemas.openxmlformats.org/drawingml/2006/table">
@@ -9109,7 +8211,7 @@
                         </a:spcAft>
                       </a:pPr>
                       <a:r>
-                        <a:rPr lang="en-US" sz="2400" b="0" dirty="0" smtClean="0">
+                        <a:rPr lang="en-US" sz="2400" b="0" dirty="0">
                           <a:solidFill>
                             <a:schemeClr val="bg2">
                               <a:lumMod val="10000"/>
@@ -9640,7 +8742,7 @@
                         </a:spcAft>
                       </a:pPr>
                       <a:r>
-                        <a:rPr lang="en-US" sz="2400" b="0" dirty="0" smtClean="0">
+                        <a:rPr lang="en-US" sz="2400" b="0" dirty="0">
                           <a:solidFill>
                             <a:schemeClr val="bg2">
                               <a:lumMod val="10000"/>
